--- a/Jour2/13 bower/13_bower.pptx
+++ b/Jour2/13 bower/13_bower.pptx
@@ -5,14 +5,14 @@
     <p:sldMasterId id="2147483648" r:id="rId1"/>
   </p:sldMasterIdLst>
   <p:notesMasterIdLst>
-    <p:notesMasterId r:id="rId18"/>
+    <p:notesMasterId r:id="rId20"/>
   </p:notesMasterIdLst>
   <p:handoutMasterIdLst>
-    <p:handoutMasterId r:id="rId19"/>
+    <p:handoutMasterId r:id="rId21"/>
   </p:handoutMasterIdLst>
   <p:sldIdLst>
     <p:sldId id="410" r:id="rId2"/>
-    <p:sldId id="411" r:id="rId3"/>
+    <p:sldId id="430" r:id="rId3"/>
     <p:sldId id="412" r:id="rId4"/>
     <p:sldId id="413" r:id="rId5"/>
     <p:sldId id="415" r:id="rId6"/>
@@ -23,10 +23,12 @@
     <p:sldId id="418" r:id="rId11"/>
     <p:sldId id="423" r:id="rId12"/>
     <p:sldId id="428" r:id="rId13"/>
-    <p:sldId id="424" r:id="rId14"/>
-    <p:sldId id="425" r:id="rId15"/>
-    <p:sldId id="426" r:id="rId16"/>
-    <p:sldId id="427" r:id="rId17"/>
+    <p:sldId id="431" r:id="rId14"/>
+    <p:sldId id="432" r:id="rId15"/>
+    <p:sldId id="424" r:id="rId16"/>
+    <p:sldId id="425" r:id="rId17"/>
+    <p:sldId id="426" r:id="rId18"/>
+    <p:sldId id="427" r:id="rId19"/>
   </p:sldIdLst>
   <p:sldSz cx="9144000" cy="6858000" type="screen4x3"/>
   <p:notesSz cx="7104063" cy="10234613"/>
@@ -127,31 +129,33 @@
   </p:defaultTextStyle>
   <p:extLst>
     <p:ext uri="{521415D9-36F7-43E2-AB2F-B90AF26B5E84}">
-      <p14:sectionLst xmlns:p14="http://schemas.microsoft.com/office/powerpoint/2010/main" xmlns="">
+      <p14:sectionLst xmlns:p14="http://schemas.microsoft.com/office/powerpoint/2010/main">
         <p14:section name="Section par défaut" id="{843C2892-2AFD-4F1B-BBF4-180F007B27DE}">
           <p14:sldIdLst>
             <p14:sldId id="410"/>
+            <p14:sldId id="430"/>
             <p14:sldId id="412"/>
-            <p14:sldId id="411"/>
             <p14:sldId id="413"/>
-            <p14:sldId id="414"/>
             <p14:sldId id="415"/>
             <p14:sldId id="416"/>
+            <p14:sldId id="421"/>
+            <p14:sldId id="414"/>
             <p14:sldId id="417"/>
             <p14:sldId id="418"/>
-            <p14:sldId id="419"/>
-            <p14:sldId id="420"/>
-            <p14:sldId id="421"/>
-            <p14:sldId id="422"/>
+            <p14:sldId id="423"/>
+            <p14:sldId id="428"/>
+            <p14:sldId id="431"/>
+            <p14:sldId id="432"/>
             <p14:sldId id="424"/>
-            <p14:sldId id="423"/>
             <p14:sldId id="425"/>
+            <p14:sldId id="426"/>
+            <p14:sldId id="427"/>
           </p14:sldIdLst>
         </p14:section>
       </p14:sectionLst>
     </p:ext>
     <p:ext uri="{EFAFB233-063F-42B5-8137-9DF3F51BA10A}">
-      <p15:sldGuideLst xmlns:p15="http://schemas.microsoft.com/office/powerpoint/2012/main" xmlns="">
+      <p15:sldGuideLst xmlns:p15="http://schemas.microsoft.com/office/powerpoint/2012/main">
         <p15:guide id="1" orient="horz" pos="2160">
           <p15:clr>
             <a:srgbClr val="A4A3A4"/>
@@ -205,7 +209,7 @@
       </p15:sldGuideLst>
     </p:ext>
     <p:ext uri="{2D200454-40CA-4A62-9FC3-DE9A4176ACB9}">
-      <p15:notesGuideLst xmlns:p15="http://schemas.microsoft.com/office/powerpoint/2012/main" xmlns="">
+      <p15:notesGuideLst xmlns:p15="http://schemas.microsoft.com/office/powerpoint/2012/main">
         <p15:guide id="1" orient="horz" pos="3224">
           <p15:clr>
             <a:srgbClr val="A4A3A4"/>
@@ -321,7 +325,7 @@
             <a:fld id="{87731427-D242-475D-9180-8940013A50B8}" type="datetimeFigureOut">
               <a:rPr lang="en-GB" smtClean="0"/>
               <a:pPr algn="l"/>
-              <a:t>18/11/2016</a:t>
+              <a:t>20/11/2016</a:t>
             </a:fld>
             <a:endParaRPr lang="en-GB" dirty="0"/>
           </a:p>
@@ -444,7 +448,7 @@
           <a:blip r:embed="rId2" cstate="print">
             <a:extLst>
               <a:ext uri="{28A0092B-C50C-407E-A947-70E740481C1C}">
-                <a14:useLocalDpi xmlns:a14="http://schemas.microsoft.com/office/drawing/2010/main" xmlns=""/>
+                <a14:useLocalDpi xmlns:a14="http://schemas.microsoft.com/office/drawing/2010/main"/>
               </a:ext>
             </a:extLst>
           </a:blip>
@@ -465,7 +469,7 @@
     </p:spTree>
     <p:extLst>
       <p:ext uri="{BB962C8B-B14F-4D97-AF65-F5344CB8AC3E}">
-        <p14:creationId xmlns:p14="http://schemas.microsoft.com/office/powerpoint/2010/main" xmlns="" val="4187009556"/>
+        <p14:creationId xmlns:p14="http://schemas.microsoft.com/office/powerpoint/2010/main" val="4187009556"/>
       </p:ext>
     </p:extLst>
   </p:cSld>
@@ -526,7 +530,7 @@
             <a:fld id="{BA521D56-F1F4-41A0-82EB-989F4F6F400D}" type="datetimeFigureOut">
               <a:rPr lang="fr-FR" smtClean="0"/>
               <a:pPr/>
-              <a:t>18/11/2016</a:t>
+              <a:t>20/11/2016</a:t>
             </a:fld>
             <a:endParaRPr lang="fr-FR"/>
           </a:p>
@@ -787,7 +791,7 @@
           <a:blip r:embed="rId2" cstate="print">
             <a:extLst>
               <a:ext uri="{28A0092B-C50C-407E-A947-70E740481C1C}">
-                <a14:useLocalDpi xmlns:a14="http://schemas.microsoft.com/office/drawing/2010/main" xmlns=""/>
+                <a14:useLocalDpi xmlns:a14="http://schemas.microsoft.com/office/drawing/2010/main"/>
               </a:ext>
             </a:extLst>
           </a:blip>
@@ -808,7 +812,7 @@
     </p:spTree>
     <p:extLst>
       <p:ext uri="{BB962C8B-B14F-4D97-AF65-F5344CB8AC3E}">
-        <p14:creationId xmlns:p14="http://schemas.microsoft.com/office/powerpoint/2010/main" xmlns="" val="3374493096"/>
+        <p14:creationId xmlns:p14="http://schemas.microsoft.com/office/powerpoint/2010/main" val="3374493096"/>
       </p:ext>
     </p:extLst>
   </p:cSld>
@@ -966,7 +970,7 @@
           <a:blip r:embed="rId2" cstate="print">
             <a:extLst>
               <a:ext uri="{28A0092B-C50C-407E-A947-70E740481C1C}">
-                <a14:useLocalDpi xmlns:a14="http://schemas.microsoft.com/office/drawing/2010/main" xmlns=""/>
+                <a14:useLocalDpi xmlns:a14="http://schemas.microsoft.com/office/drawing/2010/main"/>
               </a:ext>
             </a:extLst>
           </a:blip>
@@ -1241,7 +1245,7 @@
             </a:ln>
             <a:extLst>
               <a:ext uri="{91240B29-F687-4F45-9708-019B960494DF}">
-                <a14:hiddenLine xmlns:a14="http://schemas.microsoft.com/office/drawing/2010/main" xmlns="" w="9525">
+                <a14:hiddenLine xmlns:a14="http://schemas.microsoft.com/office/drawing/2010/main" w="9525">
                   <a:solidFill>
                     <a:srgbClr val="000000"/>
                   </a:solidFill>
@@ -1343,7 +1347,7 @@
             </a:ln>
             <a:extLst>
               <a:ext uri="{91240B29-F687-4F45-9708-019B960494DF}">
-                <a14:hiddenLine xmlns:a14="http://schemas.microsoft.com/office/drawing/2010/main" xmlns="" w="9525">
+                <a14:hiddenLine xmlns:a14="http://schemas.microsoft.com/office/drawing/2010/main" w="9525">
                   <a:solidFill>
                     <a:srgbClr val="000000"/>
                   </a:solidFill>
@@ -1617,7 +1621,7 @@
     </p:spTree>
     <p:extLst>
       <p:ext uri="{BB962C8B-B14F-4D97-AF65-F5344CB8AC3E}">
-        <p14:creationId xmlns:p14="http://schemas.microsoft.com/office/powerpoint/2010/main" xmlns="" val="971598894"/>
+        <p14:creationId xmlns:p14="http://schemas.microsoft.com/office/powerpoint/2010/main" val="971598894"/>
       </p:ext>
     </p:extLst>
   </p:cSld>
@@ -2160,7 +2164,7 @@
     </p:spTree>
     <p:extLst>
       <p:ext uri="{BB962C8B-B14F-4D97-AF65-F5344CB8AC3E}">
-        <p14:creationId xmlns:p14="http://schemas.microsoft.com/office/powerpoint/2010/main" xmlns="" val="1396641666"/>
+        <p14:creationId xmlns:p14="http://schemas.microsoft.com/office/powerpoint/2010/main" val="1396641666"/>
       </p:ext>
     </p:extLst>
   </p:cSld>
@@ -2617,7 +2621,7 @@
     </p:spTree>
     <p:extLst>
       <p:ext uri="{BB962C8B-B14F-4D97-AF65-F5344CB8AC3E}">
-        <p14:creationId xmlns:p14="http://schemas.microsoft.com/office/powerpoint/2010/main" xmlns="" val="1280241135"/>
+        <p14:creationId xmlns:p14="http://schemas.microsoft.com/office/powerpoint/2010/main" val="1280241135"/>
       </p:ext>
     </p:extLst>
   </p:cSld>
@@ -3053,7 +3057,7 @@
     </p:spTree>
     <p:extLst>
       <p:ext uri="{BB962C8B-B14F-4D97-AF65-F5344CB8AC3E}">
-        <p14:creationId xmlns:p14="http://schemas.microsoft.com/office/powerpoint/2010/main" xmlns="" val="2870169207"/>
+        <p14:creationId xmlns:p14="http://schemas.microsoft.com/office/powerpoint/2010/main" val="2870169207"/>
       </p:ext>
     </p:extLst>
   </p:cSld>
@@ -3170,7 +3174,7 @@
     </p:spTree>
     <p:extLst>
       <p:ext uri="{BB962C8B-B14F-4D97-AF65-F5344CB8AC3E}">
-        <p14:creationId xmlns:p14="http://schemas.microsoft.com/office/powerpoint/2010/main" xmlns="" val="3983172972"/>
+        <p14:creationId xmlns:p14="http://schemas.microsoft.com/office/powerpoint/2010/main" val="3983172972"/>
       </p:ext>
     </p:extLst>
   </p:cSld>
@@ -3355,7 +3359,7 @@
           <a:blip r:embed="rId2" cstate="print">
             <a:extLst>
               <a:ext uri="{28A0092B-C50C-407E-A947-70E740481C1C}">
-                <a14:useLocalDpi xmlns:a14="http://schemas.microsoft.com/office/drawing/2010/main" xmlns=""/>
+                <a14:useLocalDpi xmlns:a14="http://schemas.microsoft.com/office/drawing/2010/main"/>
               </a:ext>
             </a:extLst>
           </a:blip>
@@ -3376,7 +3380,7 @@
     </p:spTree>
     <p:extLst>
       <p:ext uri="{BB962C8B-B14F-4D97-AF65-F5344CB8AC3E}">
-        <p14:creationId xmlns:p14="http://schemas.microsoft.com/office/powerpoint/2010/main" xmlns="" val="867963663"/>
+        <p14:creationId xmlns:p14="http://schemas.microsoft.com/office/powerpoint/2010/main" val="867963663"/>
       </p:ext>
     </p:extLst>
   </p:cSld>
@@ -3497,7 +3501,7 @@
             </a:ln>
             <a:extLst>
               <a:ext uri="{91240B29-F687-4F45-9708-019B960494DF}">
-                <a14:hiddenLine xmlns:a14="http://schemas.microsoft.com/office/drawing/2010/main" xmlns="" w="9525">
+                <a14:hiddenLine xmlns:a14="http://schemas.microsoft.com/office/drawing/2010/main" w="9525">
                   <a:solidFill>
                     <a:srgbClr val="000000"/>
                   </a:solidFill>
@@ -3599,7 +3603,7 @@
             </a:ln>
             <a:extLst>
               <a:ext uri="{91240B29-F687-4F45-9708-019B960494DF}">
-                <a14:hiddenLine xmlns:a14="http://schemas.microsoft.com/office/drawing/2010/main" xmlns="" w="9525">
+                <a14:hiddenLine xmlns:a14="http://schemas.microsoft.com/office/drawing/2010/main" w="9525">
                   <a:solidFill>
                     <a:srgbClr val="000000"/>
                   </a:solidFill>
@@ -3714,7 +3718,7 @@
           </a:ln>
           <a:extLst>
             <a:ext uri="{91240B29-F687-4F45-9708-019B960494DF}">
-              <a14:hiddenLine xmlns:a14="http://schemas.microsoft.com/office/drawing/2010/main" xmlns="" w="9525">
+              <a14:hiddenLine xmlns:a14="http://schemas.microsoft.com/office/drawing/2010/main" w="9525">
                 <a:solidFill>
                   <a:srgbClr val="000000"/>
                 </a:solidFill>
@@ -3839,7 +3843,7 @@
     </p:spTree>
     <p:extLst>
       <p:ext uri="{BB962C8B-B14F-4D97-AF65-F5344CB8AC3E}">
-        <p14:creationId xmlns:p14="http://schemas.microsoft.com/office/powerpoint/2010/main" xmlns="" val="2096406008"/>
+        <p14:creationId xmlns:p14="http://schemas.microsoft.com/office/powerpoint/2010/main" val="2096406008"/>
       </p:ext>
     </p:extLst>
   </p:cSld>
@@ -3960,7 +3964,7 @@
             </a:ln>
             <a:extLst>
               <a:ext uri="{91240B29-F687-4F45-9708-019B960494DF}">
-                <a14:hiddenLine xmlns:a14="http://schemas.microsoft.com/office/drawing/2010/main" xmlns="" w="9525">
+                <a14:hiddenLine xmlns:a14="http://schemas.microsoft.com/office/drawing/2010/main" w="9525">
                   <a:solidFill>
                     <a:srgbClr val="000000"/>
                   </a:solidFill>
@@ -4062,7 +4066,7 @@
             </a:ln>
             <a:extLst>
               <a:ext uri="{91240B29-F687-4F45-9708-019B960494DF}">
-                <a14:hiddenLine xmlns:a14="http://schemas.microsoft.com/office/drawing/2010/main" xmlns="" w="9525">
+                <a14:hiddenLine xmlns:a14="http://schemas.microsoft.com/office/drawing/2010/main" w="9525">
                   <a:solidFill>
                     <a:srgbClr val="000000"/>
                   </a:solidFill>
@@ -4177,7 +4181,7 @@
           </a:ln>
           <a:extLst>
             <a:ext uri="{91240B29-F687-4F45-9708-019B960494DF}">
-              <a14:hiddenLine xmlns:a14="http://schemas.microsoft.com/office/drawing/2010/main" xmlns="" w="9525">
+              <a14:hiddenLine xmlns:a14="http://schemas.microsoft.com/office/drawing/2010/main" w="9525">
                 <a:solidFill>
                   <a:srgbClr val="000000"/>
                 </a:solidFill>
@@ -4268,7 +4272,7 @@
     </p:spTree>
     <p:extLst>
       <p:ext uri="{BB962C8B-B14F-4D97-AF65-F5344CB8AC3E}">
-        <p14:creationId xmlns:p14="http://schemas.microsoft.com/office/powerpoint/2010/main" xmlns="" val="1914269702"/>
+        <p14:creationId xmlns:p14="http://schemas.microsoft.com/office/powerpoint/2010/main" val="1914269702"/>
       </p:ext>
     </p:extLst>
   </p:cSld>
@@ -4553,7 +4557,7 @@
             </a:ln>
             <a:extLst>
               <a:ext uri="{91240B29-F687-4F45-9708-019B960494DF}">
-                <a14:hiddenLine xmlns:a14="http://schemas.microsoft.com/office/drawing/2010/main" xmlns="" w="9525">
+                <a14:hiddenLine xmlns:a14="http://schemas.microsoft.com/office/drawing/2010/main" w="9525">
                   <a:solidFill>
                     <a:srgbClr val="000000"/>
                   </a:solidFill>
@@ -4655,7 +4659,7 @@
             </a:ln>
             <a:extLst>
               <a:ext uri="{91240B29-F687-4F45-9708-019B960494DF}">
-                <a14:hiddenLine xmlns:a14="http://schemas.microsoft.com/office/drawing/2010/main" xmlns="" w="9525">
+                <a14:hiddenLine xmlns:a14="http://schemas.microsoft.com/office/drawing/2010/main" w="9525">
                   <a:solidFill>
                     <a:srgbClr val="000000"/>
                   </a:solidFill>
@@ -4815,7 +4819,7 @@
           <a:blip r:embed="rId2" cstate="print">
             <a:extLst>
               <a:ext uri="{28A0092B-C50C-407E-A947-70E740481C1C}">
-                <a14:useLocalDpi xmlns:a14="http://schemas.microsoft.com/office/drawing/2010/main" xmlns=""/>
+                <a14:useLocalDpi xmlns:a14="http://schemas.microsoft.com/office/drawing/2010/main"/>
               </a:ext>
             </a:extLst>
           </a:blip>
@@ -4833,7 +4837,7 @@
           <a:noFill/>
           <a:extLst>
             <a:ext uri="{909E8E84-426E-40DD-AFC4-6F175D3DCCD1}">
-              <a14:hiddenFill xmlns:a14="http://schemas.microsoft.com/office/drawing/2010/main" xmlns="">
+              <a14:hiddenFill xmlns:a14="http://schemas.microsoft.com/office/drawing/2010/main">
                 <a:solidFill>
                   <a:srgbClr val="FFFFFF"/>
                 </a:solidFill>
@@ -4968,7 +4972,7 @@
     </p:spTree>
     <p:extLst>
       <p:ext uri="{BB962C8B-B14F-4D97-AF65-F5344CB8AC3E}">
-        <p14:creationId xmlns:p14="http://schemas.microsoft.com/office/powerpoint/2010/main" xmlns="" val="1849499054"/>
+        <p14:creationId xmlns:p14="http://schemas.microsoft.com/office/powerpoint/2010/main" val="1849499054"/>
       </p:ext>
     </p:extLst>
   </p:cSld>
@@ -5254,7 +5258,7 @@
             </a:ln>
             <a:extLst>
               <a:ext uri="{91240B29-F687-4F45-9708-019B960494DF}">
-                <a14:hiddenLine xmlns:a14="http://schemas.microsoft.com/office/drawing/2010/main" xmlns="" w="9525">
+                <a14:hiddenLine xmlns:a14="http://schemas.microsoft.com/office/drawing/2010/main" w="9525">
                   <a:solidFill>
                     <a:srgbClr val="000000"/>
                   </a:solidFill>
@@ -5356,7 +5360,7 @@
             </a:ln>
             <a:extLst>
               <a:ext uri="{91240B29-F687-4F45-9708-019B960494DF}">
-                <a14:hiddenLine xmlns:a14="http://schemas.microsoft.com/office/drawing/2010/main" xmlns="" w="9525">
+                <a14:hiddenLine xmlns:a14="http://schemas.microsoft.com/office/drawing/2010/main" w="9525">
                   <a:solidFill>
                     <a:srgbClr val="000000"/>
                   </a:solidFill>
@@ -5516,7 +5520,7 @@
           <a:blip r:embed="rId2" cstate="print">
             <a:extLst>
               <a:ext uri="{28A0092B-C50C-407E-A947-70E740481C1C}">
-                <a14:useLocalDpi xmlns:a14="http://schemas.microsoft.com/office/drawing/2010/main" xmlns=""/>
+                <a14:useLocalDpi xmlns:a14="http://schemas.microsoft.com/office/drawing/2010/main"/>
               </a:ext>
             </a:extLst>
           </a:blip>
@@ -5534,7 +5538,7 @@
           <a:noFill/>
           <a:extLst>
             <a:ext uri="{909E8E84-426E-40DD-AFC4-6F175D3DCCD1}">
-              <a14:hiddenFill xmlns:a14="http://schemas.microsoft.com/office/drawing/2010/main" xmlns="">
+              <a14:hiddenFill xmlns:a14="http://schemas.microsoft.com/office/drawing/2010/main">
                 <a:solidFill>
                   <a:srgbClr val="FFFFFF"/>
                 </a:solidFill>
@@ -5669,7 +5673,7 @@
     </p:spTree>
     <p:extLst>
       <p:ext uri="{BB962C8B-B14F-4D97-AF65-F5344CB8AC3E}">
-        <p14:creationId xmlns:p14="http://schemas.microsoft.com/office/powerpoint/2010/main" xmlns="" val="860593601"/>
+        <p14:creationId xmlns:p14="http://schemas.microsoft.com/office/powerpoint/2010/main" val="860593601"/>
       </p:ext>
     </p:extLst>
   </p:cSld>
@@ -5830,7 +5834,7 @@
     </p:spTree>
     <p:extLst>
       <p:ext uri="{BB962C8B-B14F-4D97-AF65-F5344CB8AC3E}">
-        <p14:creationId xmlns:p14="http://schemas.microsoft.com/office/powerpoint/2010/main" xmlns="" val="1147172227"/>
+        <p14:creationId xmlns:p14="http://schemas.microsoft.com/office/powerpoint/2010/main" val="1147172227"/>
       </p:ext>
     </p:extLst>
   </p:cSld>
@@ -5951,7 +5955,7 @@
             </a:ln>
             <a:extLst>
               <a:ext uri="{91240B29-F687-4F45-9708-019B960494DF}">
-                <a14:hiddenLine xmlns:a14="http://schemas.microsoft.com/office/drawing/2010/main" xmlns="" w="9525">
+                <a14:hiddenLine xmlns:a14="http://schemas.microsoft.com/office/drawing/2010/main" w="9525">
                   <a:solidFill>
                     <a:srgbClr val="000000"/>
                   </a:solidFill>
@@ -6053,7 +6057,7 @@
             </a:ln>
             <a:extLst>
               <a:ext uri="{91240B29-F687-4F45-9708-019B960494DF}">
-                <a14:hiddenLine xmlns:a14="http://schemas.microsoft.com/office/drawing/2010/main" xmlns="" w="9525">
+                <a14:hiddenLine xmlns:a14="http://schemas.microsoft.com/office/drawing/2010/main" w="9525">
                   <a:solidFill>
                     <a:srgbClr val="000000"/>
                   </a:solidFill>
@@ -6168,7 +6172,7 @@
           </a:ln>
           <a:extLst>
             <a:ext uri="{91240B29-F687-4F45-9708-019B960494DF}">
-              <a14:hiddenLine xmlns:a14="http://schemas.microsoft.com/office/drawing/2010/main" xmlns="" w="9525">
+              <a14:hiddenLine xmlns:a14="http://schemas.microsoft.com/office/drawing/2010/main" w="9525">
                 <a:solidFill>
                   <a:srgbClr val="000000"/>
                 </a:solidFill>
@@ -6362,7 +6366,7 @@
     </p:spTree>
     <p:extLst>
       <p:ext uri="{BB962C8B-B14F-4D97-AF65-F5344CB8AC3E}">
-        <p14:creationId xmlns:p14="http://schemas.microsoft.com/office/powerpoint/2010/main" xmlns="" val="3236977466"/>
+        <p14:creationId xmlns:p14="http://schemas.microsoft.com/office/powerpoint/2010/main" val="3236977466"/>
       </p:ext>
     </p:extLst>
   </p:cSld>
@@ -6955,7 +6959,7 @@
             </a:ln>
             <a:extLst>
               <a:ext uri="{91240B29-F687-4F45-9708-019B960494DF}">
-                <a14:hiddenLine xmlns:a14="http://schemas.microsoft.com/office/drawing/2010/main" xmlns="" w="9525">
+                <a14:hiddenLine xmlns:a14="http://schemas.microsoft.com/office/drawing/2010/main" w="9525">
                   <a:solidFill>
                     <a:srgbClr val="000000"/>
                   </a:solidFill>
@@ -7057,7 +7061,7 @@
             </a:ln>
             <a:extLst>
               <a:ext uri="{91240B29-F687-4F45-9708-019B960494DF}">
-                <a14:hiddenLine xmlns:a14="http://schemas.microsoft.com/office/drawing/2010/main" xmlns="" w="9525">
+                <a14:hiddenLine xmlns:a14="http://schemas.microsoft.com/office/drawing/2010/main" w="9525">
                   <a:solidFill>
                     <a:srgbClr val="000000"/>
                   </a:solidFill>
@@ -7258,7 +7262,7 @@
           <a:blip r:embed="rId3" cstate="print">
             <a:extLst>
               <a:ext uri="{28A0092B-C50C-407E-A947-70E740481C1C}">
-                <a14:useLocalDpi xmlns:a14="http://schemas.microsoft.com/office/drawing/2010/main" xmlns=""/>
+                <a14:useLocalDpi xmlns:a14="http://schemas.microsoft.com/office/drawing/2010/main"/>
               </a:ext>
             </a:extLst>
           </a:blip>
@@ -7279,7 +7283,7 @@
     </p:spTree>
     <p:extLst>
       <p:ext uri="{BB962C8B-B14F-4D97-AF65-F5344CB8AC3E}">
-        <p14:creationId xmlns:p14="http://schemas.microsoft.com/office/powerpoint/2010/main" xmlns="" val="2213648480"/>
+        <p14:creationId xmlns:p14="http://schemas.microsoft.com/office/powerpoint/2010/main" val="2213648480"/>
       </p:ext>
     </p:extLst>
   </p:cSld>
@@ -7509,7 +7513,7 @@
     </p:spTree>
     <p:extLst>
       <p:ext uri="{BB962C8B-B14F-4D97-AF65-F5344CB8AC3E}">
-        <p14:creationId xmlns:p14="http://schemas.microsoft.com/office/powerpoint/2010/main" xmlns="" val="1436175418"/>
+        <p14:creationId xmlns:p14="http://schemas.microsoft.com/office/powerpoint/2010/main" val="1436175418"/>
       </p:ext>
     </p:extLst>
   </p:cSld>
@@ -7743,7 +7747,7 @@
     </p:spTree>
     <p:extLst>
       <p:ext uri="{BB962C8B-B14F-4D97-AF65-F5344CB8AC3E}">
-        <p14:creationId xmlns:p14="http://schemas.microsoft.com/office/powerpoint/2010/main" xmlns="" val="2210781797"/>
+        <p14:creationId xmlns:p14="http://schemas.microsoft.com/office/powerpoint/2010/main" val="2210781797"/>
       </p:ext>
     </p:extLst>
   </p:cSld>
@@ -7947,7 +7951,7 @@
     </p:spTree>
     <p:extLst>
       <p:ext uri="{BB962C8B-B14F-4D97-AF65-F5344CB8AC3E}">
-        <p14:creationId xmlns:p14="http://schemas.microsoft.com/office/powerpoint/2010/main" xmlns="" val="982029551"/>
+        <p14:creationId xmlns:p14="http://schemas.microsoft.com/office/powerpoint/2010/main" val="982029551"/>
       </p:ext>
     </p:extLst>
   </p:cSld>
@@ -8296,7 +8300,7 @@
           <a:blip r:embed="rId18" cstate="print">
             <a:extLst>
               <a:ext uri="{28A0092B-C50C-407E-A947-70E740481C1C}">
-                <a14:useLocalDpi xmlns:a14="http://schemas.microsoft.com/office/drawing/2010/main" xmlns=""/>
+                <a14:useLocalDpi xmlns:a14="http://schemas.microsoft.com/office/drawing/2010/main"/>
               </a:ext>
             </a:extLst>
           </a:blip>
@@ -8317,7 +8321,7 @@
     </p:spTree>
     <p:extLst>
       <p:ext uri="{BB962C8B-B14F-4D97-AF65-F5344CB8AC3E}">
-        <p14:creationId xmlns:p14="http://schemas.microsoft.com/office/powerpoint/2010/main" xmlns="" val="838069321"/>
+        <p14:creationId xmlns:p14="http://schemas.microsoft.com/office/powerpoint/2010/main" val="838069321"/>
       </p:ext>
     </p:extLst>
   </p:cSld>
@@ -8776,7 +8780,7 @@
     </p:spTree>
     <p:extLst>
       <p:ext uri="{BB962C8B-B14F-4D97-AF65-F5344CB8AC3E}">
-        <p14:creationId xmlns:p14="http://schemas.microsoft.com/office/powerpoint/2010/main" xmlns="" val="422931615"/>
+        <p14:creationId xmlns:p14="http://schemas.microsoft.com/office/powerpoint/2010/main" val="422931615"/>
       </p:ext>
     </p:extLst>
   </p:cSld>
@@ -9284,7 +9288,47 @@
           <a:p>
             <a:r>
               <a:rPr lang="en-US" dirty="0" smtClean="0"/>
-              <a:t>TODO</a:t>
+              <a:t>Project must have a valid </a:t>
+            </a:r>
+            <a:r>
+              <a:rPr lang="en-US" dirty="0" err="1" smtClean="0"/>
+              <a:t>package.json</a:t>
+            </a:r>
+            <a:endParaRPr lang="en-US" dirty="0" smtClean="0"/>
+          </a:p>
+          <a:p>
+            <a:r>
+              <a:rPr lang="en-US" dirty="0" smtClean="0"/>
+              <a:t>Command:</a:t>
+            </a:r>
+          </a:p>
+          <a:p>
+            <a:endParaRPr lang="en-US" dirty="0"/>
+          </a:p>
+          <a:p>
+            <a:endParaRPr lang="en-US" dirty="0" smtClean="0"/>
+          </a:p>
+          <a:p>
+            <a:endParaRPr lang="en-US" dirty="0"/>
+          </a:p>
+          <a:p>
+            <a:r>
+              <a:rPr lang="en-US" dirty="0" smtClean="0"/>
+              <a:t>The published code is uploaded to the </a:t>
+            </a:r>
+            <a:r>
+              <a:rPr lang="en-US" dirty="0" err="1" smtClean="0"/>
+              <a:t>npm</a:t>
+            </a:r>
+            <a:r>
+              <a:rPr lang="en-US" dirty="0" smtClean="0"/>
+              <a:t> registry</a:t>
+            </a:r>
+          </a:p>
+          <a:p>
+            <a:r>
+              <a:rPr lang="en-US" dirty="0" smtClean="0"/>
+              <a:t>This must be done every time you tag a version</a:t>
             </a:r>
             <a:endParaRPr lang="en-US" dirty="0" smtClean="0"/>
           </a:p>
@@ -9371,10 +9415,44 @@
           <a:bodyPr/>
           <a:lstStyle/>
           <a:p>
-            <a:endParaRPr lang="fr-FR"/>
-          </a:p>
-        </p:txBody>
-      </p:sp>
+            <a:r>
+              <a:rPr lang="fr-FR" dirty="0" smtClean="0"/>
+              <a:t>NPM</a:t>
+            </a:r>
+            <a:endParaRPr lang="fr-FR" dirty="0"/>
+          </a:p>
+        </p:txBody>
+      </p:sp>
+      <p:pic>
+        <p:nvPicPr>
+          <p:cNvPr id="7" name="Image 6"/>
+          <p:cNvPicPr>
+            <a:picLocks noChangeAspect="1"/>
+          </p:cNvPicPr>
+          <p:nvPr/>
+        </p:nvPicPr>
+        <p:blipFill>
+          <a:blip r:embed="rId2">
+            <a:extLst>
+              <a:ext uri="{28A0092B-C50C-407E-A947-70E740481C1C}">
+                <a14:useLocalDpi xmlns:a14="http://schemas.microsoft.com/office/drawing/2010/main" val="0"/>
+              </a:ext>
+            </a:extLst>
+          </a:blip>
+          <a:stretch>
+            <a:fillRect/>
+          </a:stretch>
+        </p:blipFill>
+        <p:spPr>
+          <a:xfrm>
+            <a:off x="531466" y="2515521"/>
+            <a:ext cx="8201025" cy="1095375"/>
+          </a:xfrm>
+          <a:prstGeom prst="rect">
+            <a:avLst/>
+          </a:prstGeom>
+        </p:spPr>
+      </p:pic>
     </p:spTree>
   </p:cSld>
   <p:clrMapOvr>
@@ -9423,73 +9501,93 @@
           <a:lstStyle/>
           <a:p>
             <a:r>
-              <a:rPr lang="fr-FR" dirty="0" smtClean="0"/>
-              <a:t>Format: X.Y.Z (</a:t>
-            </a:r>
+              <a:rPr lang="en-US" dirty="0" smtClean="0"/>
+              <a:t>Project must have a valid </a:t>
+            </a:r>
+            <a:r>
+              <a:rPr lang="en-US" dirty="0" err="1" smtClean="0"/>
+              <a:t>bower.json</a:t>
+            </a:r>
+            <a:endParaRPr lang="en-US" dirty="0" smtClean="0"/>
+          </a:p>
+          <a:p>
+            <a:r>
+              <a:rPr lang="en-US" dirty="0" smtClean="0"/>
+              <a:t>Command:</a:t>
+            </a:r>
+          </a:p>
+          <a:p>
+            <a:endParaRPr lang="en-US" dirty="0"/>
+          </a:p>
+          <a:p>
+            <a:endParaRPr lang="en-US" dirty="0" smtClean="0"/>
+          </a:p>
+          <a:p>
+            <a:endParaRPr lang="en-US" dirty="0"/>
+          </a:p>
+          <a:p>
+            <a:r>
+              <a:rPr lang="en-US" dirty="0" smtClean="0"/>
+              <a:t>Bower registry only store the </a:t>
+            </a:r>
+            <a:r>
+              <a:rPr lang="en-US" dirty="0" err="1" smtClean="0"/>
+              <a:t>git</a:t>
+            </a:r>
+            <a:r>
+              <a:rPr lang="en-US" dirty="0" smtClean="0"/>
+              <a:t> endpoint</a:t>
+            </a:r>
+          </a:p>
+          <a:p>
+            <a:r>
+              <a:rPr lang="en-US" dirty="0" smtClean="0"/>
+              <a:t>Every tag on the </a:t>
+            </a:r>
+            <a:r>
+              <a:rPr lang="en-US" dirty="0" err="1" smtClean="0"/>
+              <a:t>git</a:t>
+            </a:r>
+            <a:r>
+              <a:rPr lang="en-US" dirty="0" smtClean="0"/>
+              <a:t> project is available as a tag in the bower registry</a:t>
+            </a:r>
+          </a:p>
+          <a:p>
+            <a:r>
+              <a:rPr lang="en-US" dirty="0" smtClean="0"/>
+              <a:t>Must be done only once, just push a </a:t>
+            </a:r>
+            <a:r>
+              <a:rPr lang="en-US" dirty="0" err="1" smtClean="0"/>
+              <a:t>git</a:t>
+            </a:r>
+            <a:r>
+              <a:rPr lang="en-US" dirty="0" smtClean="0"/>
+              <a:t> tag to create a new version</a:t>
+            </a:r>
+            <a:endParaRPr lang="en-US" dirty="0" smtClean="0"/>
+          </a:p>
+        </p:txBody>
+      </p:sp>
+      <p:sp>
+        <p:nvSpPr>
+          <p:cNvPr id="3" name="Titre 2"/>
+          <p:cNvSpPr>
+            <a:spLocks noGrp="1"/>
+          </p:cNvSpPr>
+          <p:nvPr>
+            <p:ph type="title"/>
+          </p:nvPr>
+        </p:nvSpPr>
+        <p:spPr/>
+        <p:txBody>
+          <a:bodyPr/>
+          <a:lstStyle/>
+          <a:p>
             <a:r>
               <a:rPr lang="fr-FR" dirty="0" err="1" smtClean="0"/>
-              <a:t>Major.Minor.Patch</a:t>
-            </a:r>
-            <a:r>
-              <a:rPr lang="fr-FR" dirty="0" smtClean="0"/>
-              <a:t>)</a:t>
-            </a:r>
-          </a:p>
-          <a:p>
-            <a:pPr lvl="1"/>
-            <a:r>
-              <a:rPr lang="en-US" dirty="0" smtClean="0"/>
-              <a:t>MAJOR version when you make incompatible API changes,</a:t>
-            </a:r>
-          </a:p>
-          <a:p>
-            <a:pPr lvl="1"/>
-            <a:r>
-              <a:rPr lang="en-US" dirty="0" smtClean="0"/>
-              <a:t>MINOR version when you add functionality in a backwards-compatible manner, and</a:t>
-            </a:r>
-          </a:p>
-          <a:p>
-            <a:pPr lvl="1"/>
-            <a:r>
-              <a:rPr lang="en-US" dirty="0" smtClean="0"/>
-              <a:t>PATCH version when you make backwards-compatible bug fixes.</a:t>
-            </a:r>
-          </a:p>
-          <a:p>
-            <a:pPr lvl="1"/>
-            <a:endParaRPr lang="en-US" dirty="0" smtClean="0"/>
-          </a:p>
-          <a:p>
-            <a:r>
-              <a:rPr lang="en-US" dirty="0" smtClean="0"/>
-              <a:t>Ranges:</a:t>
-            </a:r>
-          </a:p>
-          <a:p>
-            <a:pPr lvl="1"/>
-            <a:endParaRPr lang="en-US" dirty="0" smtClean="0"/>
-          </a:p>
-        </p:txBody>
-      </p:sp>
-      <p:sp>
-        <p:nvSpPr>
-          <p:cNvPr id="3" name="Titre 2"/>
-          <p:cNvSpPr>
-            <a:spLocks noGrp="1"/>
-          </p:cNvSpPr>
-          <p:nvPr>
-            <p:ph type="title"/>
-          </p:nvPr>
-        </p:nvSpPr>
-        <p:spPr/>
-        <p:txBody>
-          <a:bodyPr/>
-          <a:lstStyle/>
-          <a:p>
-            <a:r>
-              <a:rPr lang="fr-FR" dirty="0" err="1" smtClean="0"/>
-              <a:t>Semver</a:t>
+              <a:t>publishing</a:t>
             </a:r>
             <a:endParaRPr lang="fr-FR" dirty="0"/>
           </a:p>
@@ -9533,6 +9631,502 @@
               <a:rPr lang="fr-FR" smtClean="0"/>
               <a:pPr/>
               <a:t>13</a:t>
+            </a:fld>
+            <a:endParaRPr lang="fr-FR" dirty="0"/>
+          </a:p>
+        </p:txBody>
+      </p:sp>
+      <p:sp>
+        <p:nvSpPr>
+          <p:cNvPr id="6" name="Espace réservé du texte 5"/>
+          <p:cNvSpPr>
+            <a:spLocks noGrp="1"/>
+          </p:cNvSpPr>
+          <p:nvPr>
+            <p:ph type="body" sz="quarter" idx="13"/>
+          </p:nvPr>
+        </p:nvSpPr>
+        <p:spPr/>
+        <p:txBody>
+          <a:bodyPr/>
+          <a:lstStyle/>
+          <a:p>
+            <a:r>
+              <a:rPr lang="fr-FR" dirty="0" err="1" smtClean="0"/>
+              <a:t>bower</a:t>
+            </a:r>
+            <a:endParaRPr lang="fr-FR" dirty="0"/>
+          </a:p>
+        </p:txBody>
+      </p:sp>
+      <p:pic>
+        <p:nvPicPr>
+          <p:cNvPr id="8" name="Image 7"/>
+          <p:cNvPicPr>
+            <a:picLocks noChangeAspect="1"/>
+          </p:cNvPicPr>
+          <p:nvPr/>
+        </p:nvPicPr>
+        <p:blipFill>
+          <a:blip r:embed="rId2">
+            <a:extLst>
+              <a:ext uri="{28A0092B-C50C-407E-A947-70E740481C1C}">
+                <a14:useLocalDpi xmlns:a14="http://schemas.microsoft.com/office/drawing/2010/main" val="0"/>
+              </a:ext>
+            </a:extLst>
+          </a:blip>
+          <a:stretch>
+            <a:fillRect/>
+          </a:stretch>
+        </p:blipFill>
+        <p:spPr>
+          <a:xfrm>
+            <a:off x="1053027" y="2515372"/>
+            <a:ext cx="6543675" cy="1085850"/>
+          </a:xfrm>
+          <a:prstGeom prst="rect">
+            <a:avLst/>
+          </a:prstGeom>
+        </p:spPr>
+      </p:pic>
+    </p:spTree>
+    <p:extLst>
+      <p:ext uri="{BB962C8B-B14F-4D97-AF65-F5344CB8AC3E}">
+        <p14:creationId xmlns:p14="http://schemas.microsoft.com/office/powerpoint/2010/main" val="3130427048"/>
+      </p:ext>
+    </p:extLst>
+  </p:cSld>
+  <p:clrMapOvr>
+    <a:masterClrMapping/>
+  </p:clrMapOvr>
+  <p:timing>
+    <p:tnLst>
+      <p:par>
+        <p:cTn id="1" dur="indefinite" restart="never" nodeType="tmRoot"/>
+      </p:par>
+    </p:tnLst>
+  </p:timing>
+</p:sld>
+</file>
+
+<file path=ppt/slides/slide14.xml><?xml version="1.0" encoding="utf-8"?>
+<p:sld xmlns:a="http://schemas.openxmlformats.org/drawingml/2006/main" xmlns:r="http://schemas.openxmlformats.org/officeDocument/2006/relationships" xmlns:p="http://schemas.openxmlformats.org/presentationml/2006/main">
+  <p:cSld>
+    <p:spTree>
+      <p:nvGrpSpPr>
+        <p:cNvPr id="1" name=""/>
+        <p:cNvGrpSpPr/>
+        <p:nvPr/>
+      </p:nvGrpSpPr>
+      <p:grpSpPr>
+        <a:xfrm>
+          <a:off x="0" y="0"/>
+          <a:ext cx="0" cy="0"/>
+          <a:chOff x="0" y="0"/>
+          <a:chExt cx="0" cy="0"/>
+        </a:xfrm>
+      </p:grpSpPr>
+      <p:sp>
+        <p:nvSpPr>
+          <p:cNvPr id="2" name="Espace réservé du contenu 1"/>
+          <p:cNvSpPr>
+            <a:spLocks noGrp="1"/>
+          </p:cNvSpPr>
+          <p:nvPr>
+            <p:ph idx="1"/>
+          </p:nvPr>
+        </p:nvSpPr>
+        <p:spPr/>
+        <p:txBody>
+          <a:bodyPr/>
+          <a:lstStyle/>
+          <a:p>
+            <a:r>
+              <a:rPr lang="en-US" dirty="0" smtClean="0"/>
+              <a:t>Why do we need an </a:t>
+            </a:r>
+            <a:r>
+              <a:rPr lang="en-US" dirty="0" err="1" smtClean="0"/>
+              <a:t>on-premise</a:t>
+            </a:r>
+            <a:r>
+              <a:rPr lang="en-US" dirty="0" smtClean="0"/>
+              <a:t> registry?</a:t>
+            </a:r>
+          </a:p>
+          <a:p>
+            <a:pPr lvl="1"/>
+            <a:r>
+              <a:rPr lang="en-US" dirty="0" smtClean="0"/>
+              <a:t>Proxy repository:</a:t>
+            </a:r>
+          </a:p>
+          <a:p>
+            <a:pPr lvl="2"/>
+            <a:r>
+              <a:rPr lang="en-US" dirty="0" smtClean="0"/>
+              <a:t>Keep build servers from accessing internet</a:t>
+            </a:r>
+          </a:p>
+          <a:p>
+            <a:pPr lvl="2"/>
+            <a:r>
+              <a:rPr lang="en-US" dirty="0" smtClean="0"/>
+              <a:t>Limit bandwidth usage</a:t>
+            </a:r>
+          </a:p>
+          <a:p>
+            <a:pPr lvl="1"/>
+            <a:r>
+              <a:rPr lang="en-US" dirty="0" smtClean="0"/>
+              <a:t>Hosted repository:</a:t>
+            </a:r>
+          </a:p>
+          <a:p>
+            <a:pPr lvl="2"/>
+            <a:r>
+              <a:rPr lang="en-US" dirty="0" smtClean="0"/>
+              <a:t>Works with </a:t>
+            </a:r>
+            <a:r>
+              <a:rPr lang="en-US" dirty="0" err="1" smtClean="0"/>
+              <a:t>on-premise</a:t>
+            </a:r>
+            <a:r>
+              <a:rPr lang="en-US" dirty="0" smtClean="0"/>
+              <a:t> </a:t>
+            </a:r>
+            <a:r>
+              <a:rPr lang="en-US" dirty="0" err="1" smtClean="0"/>
+              <a:t>git</a:t>
+            </a:r>
+            <a:r>
+              <a:rPr lang="en-US" dirty="0" smtClean="0"/>
+              <a:t> endpoint</a:t>
+            </a:r>
+          </a:p>
+          <a:p>
+            <a:r>
+              <a:rPr lang="en-US" dirty="0" smtClean="0"/>
+              <a:t>Nexus can be used as custom registry for frontend dependencies</a:t>
+            </a:r>
+          </a:p>
+          <a:p>
+            <a:pPr lvl="1"/>
+            <a:r>
+              <a:rPr lang="en-US" dirty="0" smtClean="0"/>
+              <a:t>Version 2 &amp; 3 for </a:t>
+            </a:r>
+            <a:r>
+              <a:rPr lang="en-US" dirty="0" err="1" smtClean="0"/>
+              <a:t>npm</a:t>
+            </a:r>
+            <a:r>
+              <a:rPr lang="en-US" dirty="0" smtClean="0"/>
+              <a:t> registry</a:t>
+            </a:r>
+          </a:p>
+          <a:p>
+            <a:pPr lvl="1"/>
+            <a:r>
+              <a:rPr lang="en-US" dirty="0" smtClean="0"/>
+              <a:t>Version 3 only for bower registry</a:t>
+            </a:r>
+          </a:p>
+          <a:p>
+            <a:pPr lvl="1"/>
+            <a:endParaRPr lang="en-US" dirty="0"/>
+          </a:p>
+          <a:p>
+            <a:r>
+              <a:rPr lang="en-US" dirty="0" smtClean="0"/>
+              <a:t>Bower does not natively support custom registry: bower-nexus3-resolver must </a:t>
+            </a:r>
+            <a:r>
+              <a:rPr lang="en-US" dirty="0"/>
+              <a:t>be installed (</a:t>
+            </a:r>
+            <a:r>
+              <a:rPr lang="en-US" dirty="0">
+                <a:hlinkClick r:id="rId2"/>
+              </a:rPr>
+              <a:t>https://</a:t>
+            </a:r>
+            <a:r>
+              <a:rPr lang="en-US" dirty="0" smtClean="0">
+                <a:hlinkClick r:id="rId2"/>
+              </a:rPr>
+              <a:t>www.npmjs.com/package/bower-nexus3-resolver</a:t>
+            </a:r>
+            <a:r>
+              <a:rPr lang="en-US" dirty="0" smtClean="0"/>
+              <a:t>)</a:t>
+            </a:r>
+          </a:p>
+          <a:p>
+            <a:pPr marL="0" indent="0">
+              <a:buNone/>
+            </a:pPr>
+            <a:endParaRPr lang="en-US" dirty="0" smtClean="0"/>
+          </a:p>
+        </p:txBody>
+      </p:sp>
+      <p:sp>
+        <p:nvSpPr>
+          <p:cNvPr id="3" name="Titre 2"/>
+          <p:cNvSpPr>
+            <a:spLocks noGrp="1"/>
+          </p:cNvSpPr>
+          <p:nvPr>
+            <p:ph type="title"/>
+          </p:nvPr>
+        </p:nvSpPr>
+        <p:spPr/>
+        <p:txBody>
+          <a:bodyPr/>
+          <a:lstStyle/>
+          <a:p>
+            <a:r>
+              <a:rPr lang="fr-FR" dirty="0" err="1" smtClean="0"/>
+              <a:t>publishing</a:t>
+            </a:r>
+            <a:endParaRPr lang="fr-FR" dirty="0"/>
+          </a:p>
+        </p:txBody>
+      </p:sp>
+      <p:sp>
+        <p:nvSpPr>
+          <p:cNvPr id="4" name="Espace réservé du pied de page 3"/>
+          <p:cNvSpPr>
+            <a:spLocks noGrp="1"/>
+          </p:cNvSpPr>
+          <p:nvPr>
+            <p:ph type="ftr" sz="quarter" idx="11"/>
+          </p:nvPr>
+        </p:nvSpPr>
+        <p:spPr/>
+        <p:txBody>
+          <a:bodyPr/>
+          <a:lstStyle/>
+          <a:p>
+            <a:endParaRPr lang="fr-FR" dirty="0"/>
+          </a:p>
+        </p:txBody>
+      </p:sp>
+      <p:sp>
+        <p:nvSpPr>
+          <p:cNvPr id="5" name="Espace réservé du numéro de diapositive 4"/>
+          <p:cNvSpPr>
+            <a:spLocks noGrp="1"/>
+          </p:cNvSpPr>
+          <p:nvPr>
+            <p:ph type="sldNum" sz="quarter" idx="12"/>
+          </p:nvPr>
+        </p:nvSpPr>
+        <p:spPr/>
+        <p:txBody>
+          <a:bodyPr/>
+          <a:lstStyle/>
+          <a:p>
+            <a:fld id="{AF43E6FD-AB27-4108-A2FC-346BB5F75E3F}" type="slidenum">
+              <a:rPr lang="fr-FR" smtClean="0"/>
+              <a:pPr/>
+              <a:t>14</a:t>
+            </a:fld>
+            <a:endParaRPr lang="fr-FR" dirty="0"/>
+          </a:p>
+        </p:txBody>
+      </p:sp>
+      <p:sp>
+        <p:nvSpPr>
+          <p:cNvPr id="6" name="Espace réservé du texte 5"/>
+          <p:cNvSpPr>
+            <a:spLocks noGrp="1"/>
+          </p:cNvSpPr>
+          <p:nvPr>
+            <p:ph type="body" sz="quarter" idx="13"/>
+          </p:nvPr>
+        </p:nvSpPr>
+        <p:spPr/>
+        <p:txBody>
+          <a:bodyPr/>
+          <a:lstStyle/>
+          <a:p>
+            <a:r>
+              <a:rPr lang="fr-FR" dirty="0" smtClean="0"/>
+              <a:t>Custom </a:t>
+            </a:r>
+            <a:r>
+              <a:rPr lang="fr-FR" dirty="0" err="1" smtClean="0"/>
+              <a:t>registry</a:t>
+            </a:r>
+            <a:endParaRPr lang="fr-FR" dirty="0"/>
+          </a:p>
+        </p:txBody>
+      </p:sp>
+    </p:spTree>
+    <p:extLst>
+      <p:ext uri="{BB962C8B-B14F-4D97-AF65-F5344CB8AC3E}">
+        <p14:creationId xmlns:p14="http://schemas.microsoft.com/office/powerpoint/2010/main" val="2982053796"/>
+      </p:ext>
+    </p:extLst>
+  </p:cSld>
+  <p:clrMapOvr>
+    <a:masterClrMapping/>
+  </p:clrMapOvr>
+  <p:timing>
+    <p:tnLst>
+      <p:par>
+        <p:cTn id="1" dur="indefinite" restart="never" nodeType="tmRoot"/>
+      </p:par>
+    </p:tnLst>
+  </p:timing>
+</p:sld>
+</file>
+
+<file path=ppt/slides/slide15.xml><?xml version="1.0" encoding="utf-8"?>
+<p:sld xmlns:a="http://schemas.openxmlformats.org/drawingml/2006/main" xmlns:r="http://schemas.openxmlformats.org/officeDocument/2006/relationships" xmlns:p="http://schemas.openxmlformats.org/presentationml/2006/main">
+  <p:cSld>
+    <p:spTree>
+      <p:nvGrpSpPr>
+        <p:cNvPr id="1" name=""/>
+        <p:cNvGrpSpPr/>
+        <p:nvPr/>
+      </p:nvGrpSpPr>
+      <p:grpSpPr>
+        <a:xfrm>
+          <a:off x="0" y="0"/>
+          <a:ext cx="0" cy="0"/>
+          <a:chOff x="0" y="0"/>
+          <a:chExt cx="0" cy="0"/>
+        </a:xfrm>
+      </p:grpSpPr>
+      <p:sp>
+        <p:nvSpPr>
+          <p:cNvPr id="2" name="Espace réservé du contenu 1"/>
+          <p:cNvSpPr>
+            <a:spLocks noGrp="1"/>
+          </p:cNvSpPr>
+          <p:nvPr>
+            <p:ph idx="1"/>
+          </p:nvPr>
+        </p:nvSpPr>
+        <p:spPr/>
+        <p:txBody>
+          <a:bodyPr/>
+          <a:lstStyle/>
+          <a:p>
+            <a:r>
+              <a:rPr lang="fr-FR" dirty="0" smtClean="0"/>
+              <a:t>Format: X.Y.Z (</a:t>
+            </a:r>
+            <a:r>
+              <a:rPr lang="fr-FR" dirty="0" err="1" smtClean="0"/>
+              <a:t>Major.Minor.Patch</a:t>
+            </a:r>
+            <a:r>
+              <a:rPr lang="fr-FR" dirty="0" smtClean="0"/>
+              <a:t>)</a:t>
+            </a:r>
+          </a:p>
+          <a:p>
+            <a:pPr lvl="1"/>
+            <a:r>
+              <a:rPr lang="en-US" dirty="0" smtClean="0"/>
+              <a:t>MAJOR version when you make incompatible API changes,</a:t>
+            </a:r>
+          </a:p>
+          <a:p>
+            <a:pPr lvl="1"/>
+            <a:r>
+              <a:rPr lang="en-US" dirty="0" smtClean="0"/>
+              <a:t>MINOR version when you add functionality in a backwards-compatible manner, and</a:t>
+            </a:r>
+          </a:p>
+          <a:p>
+            <a:pPr lvl="1"/>
+            <a:r>
+              <a:rPr lang="en-US" dirty="0" smtClean="0"/>
+              <a:t>PATCH version when you make backwards-compatible bug fixes.</a:t>
+            </a:r>
+          </a:p>
+          <a:p>
+            <a:pPr lvl="1"/>
+            <a:endParaRPr lang="en-US" dirty="0" smtClean="0"/>
+          </a:p>
+          <a:p>
+            <a:r>
+              <a:rPr lang="en-US" dirty="0" smtClean="0"/>
+              <a:t>Ranges:</a:t>
+            </a:r>
+          </a:p>
+          <a:p>
+            <a:pPr lvl="1"/>
+            <a:endParaRPr lang="en-US" dirty="0" smtClean="0"/>
+          </a:p>
+        </p:txBody>
+      </p:sp>
+      <p:sp>
+        <p:nvSpPr>
+          <p:cNvPr id="3" name="Titre 2"/>
+          <p:cNvSpPr>
+            <a:spLocks noGrp="1"/>
+          </p:cNvSpPr>
+          <p:nvPr>
+            <p:ph type="title"/>
+          </p:nvPr>
+        </p:nvSpPr>
+        <p:spPr/>
+        <p:txBody>
+          <a:bodyPr/>
+          <a:lstStyle/>
+          <a:p>
+            <a:r>
+              <a:rPr lang="fr-FR" dirty="0" err="1" smtClean="0"/>
+              <a:t>Semver</a:t>
+            </a:r>
+            <a:endParaRPr lang="fr-FR" dirty="0"/>
+          </a:p>
+        </p:txBody>
+      </p:sp>
+      <p:sp>
+        <p:nvSpPr>
+          <p:cNvPr id="4" name="Espace réservé du pied de page 3"/>
+          <p:cNvSpPr>
+            <a:spLocks noGrp="1"/>
+          </p:cNvSpPr>
+          <p:nvPr>
+            <p:ph type="ftr" sz="quarter" idx="11"/>
+          </p:nvPr>
+        </p:nvSpPr>
+        <p:spPr/>
+        <p:txBody>
+          <a:bodyPr/>
+          <a:lstStyle/>
+          <a:p>
+            <a:endParaRPr lang="fr-FR" dirty="0"/>
+          </a:p>
+        </p:txBody>
+      </p:sp>
+      <p:sp>
+        <p:nvSpPr>
+          <p:cNvPr id="5" name="Espace réservé du numéro de diapositive 4"/>
+          <p:cNvSpPr>
+            <a:spLocks noGrp="1"/>
+          </p:cNvSpPr>
+          <p:nvPr>
+            <p:ph type="sldNum" sz="quarter" idx="12"/>
+          </p:nvPr>
+        </p:nvSpPr>
+        <p:spPr/>
+        <p:txBody>
+          <a:bodyPr/>
+          <a:lstStyle/>
+          <a:p>
+            <a:fld id="{AF43E6FD-AB27-4108-A2FC-346BB5F75E3F}" type="slidenum">
+              <a:rPr lang="fr-FR" smtClean="0"/>
+              <a:pPr/>
+              <a:t>15</a:t>
             </a:fld>
             <a:endParaRPr lang="fr-FR" dirty="0"/>
           </a:p>
@@ -9598,7 +10192,7 @@
 </p:sld>
 </file>
 
-<file path=ppt/slides/slide14.xml><?xml version="1.0" encoding="utf-8"?>
+<file path=ppt/slides/slide16.xml><?xml version="1.0" encoding="utf-8"?>
 <p:sld xmlns:a="http://schemas.openxmlformats.org/drawingml/2006/main" xmlns:r="http://schemas.openxmlformats.org/officeDocument/2006/relationships" xmlns:p="http://schemas.openxmlformats.org/presentationml/2006/main">
   <p:cSld>
     <p:spTree>
@@ -9668,8 +10262,47 @@
             </a:r>
             <a:r>
               <a:rPr lang="fr-FR" dirty="0" smtClean="0"/>
-              <a:t>: https://semver.npmjs.com/</a:t>
-            </a:r>
+              <a:t>: </a:t>
+            </a:r>
+            <a:r>
+              <a:rPr lang="fr-FR" dirty="0">
+                <a:hlinkClick r:id="rId2"/>
+              </a:rPr>
+              <a:t>http://semver.org</a:t>
+            </a:r>
+            <a:r>
+              <a:rPr lang="fr-FR" dirty="0" smtClean="0">
+                <a:hlinkClick r:id="rId2"/>
+              </a:rPr>
+              <a:t>/</a:t>
+            </a:r>
+            <a:r>
+              <a:rPr lang="fr-FR" dirty="0" smtClean="0"/>
+              <a:t> &amp; </a:t>
+            </a:r>
+            <a:r>
+              <a:rPr lang="fr-FR" dirty="0" smtClean="0">
+                <a:hlinkClick r:id="rId3"/>
+              </a:rPr>
+              <a:t>https</a:t>
+            </a:r>
+            <a:r>
+              <a:rPr lang="fr-FR" dirty="0" smtClean="0">
+                <a:hlinkClick r:id="rId3"/>
+              </a:rPr>
+              <a:t>://semver.npmjs.com</a:t>
+            </a:r>
+            <a:r>
+              <a:rPr lang="fr-FR" dirty="0" smtClean="0">
+                <a:hlinkClick r:id="rId3"/>
+              </a:rPr>
+              <a:t>/</a:t>
+            </a:r>
+            <a:r>
+              <a:rPr lang="fr-FR" dirty="0" smtClean="0"/>
+              <a:t> </a:t>
+            </a:r>
+            <a:endParaRPr lang="fr-FR" dirty="0" smtClean="0"/>
           </a:p>
           <a:p>
             <a:endParaRPr lang="fr-FR" dirty="0"/>
@@ -9736,7 +10369,7 @@
             <a:fld id="{AF43E6FD-AB27-4108-A2FC-346BB5F75E3F}" type="slidenum">
               <a:rPr lang="fr-FR" smtClean="0"/>
               <a:pPr/>
-              <a:t>14</a:t>
+              <a:t>16</a:t>
             </a:fld>
             <a:endParaRPr lang="fr-FR" dirty="0"/>
           </a:p>
@@ -9770,7 +10403,7 @@
           <p:nvPr/>
         </p:nvPicPr>
         <p:blipFill>
-          <a:blip r:embed="rId2"/>
+          <a:blip r:embed="rId4"/>
           <a:srcRect/>
           <a:stretch>
             <a:fillRect/>
@@ -9796,7 +10429,7 @@
           <p:nvPr/>
         </p:nvPicPr>
         <p:blipFill>
-          <a:blip r:embed="rId3"/>
+          <a:blip r:embed="rId5"/>
           <a:srcRect/>
           <a:stretch>
             <a:fillRect/>
@@ -9822,7 +10455,7 @@
           <p:nvPr/>
         </p:nvPicPr>
         <p:blipFill>
-          <a:blip r:embed="rId4"/>
+          <a:blip r:embed="rId6"/>
           <a:srcRect/>
           <a:stretch>
             <a:fillRect/>
@@ -9854,7 +10487,7 @@
 </p:sld>
 </file>
 
-<file path=ppt/slides/slide15.xml><?xml version="1.0" encoding="utf-8"?>
+<file path=ppt/slides/slide17.xml><?xml version="1.0" encoding="utf-8"?>
 <p:sld xmlns:a="http://schemas.openxmlformats.org/drawingml/2006/main" xmlns:r="http://schemas.openxmlformats.org/officeDocument/2006/relationships" xmlns:p="http://schemas.openxmlformats.org/presentationml/2006/main">
   <p:cSld>
     <p:spTree>
@@ -9886,59 +10519,42 @@
           <a:bodyPr/>
           <a:lstStyle/>
           <a:p>
+            <a:r>
+              <a:rPr lang="en-US" dirty="0"/>
+              <a:t>Don't trust anyone, specially for « small » dependencies</a:t>
+            </a:r>
+          </a:p>
+          <a:p>
+            <a:r>
+              <a:rPr lang="en-US" dirty="0"/>
+              <a:t>Do not use ranges to keep control of your </a:t>
+            </a:r>
+            <a:r>
+              <a:rPr lang="en-US" dirty="0" smtClean="0"/>
+              <a:t>dependencies</a:t>
+            </a:r>
             <a:endParaRPr lang="fr-FR" dirty="0" smtClean="0"/>
           </a:p>
           <a:p>
-            <a:endParaRPr lang="fr-FR" dirty="0" smtClean="0"/>
-          </a:p>
-          <a:p>
-            <a:pPr>
-              <a:buNone/>
-            </a:pPr>
-            <a:endParaRPr lang="fr-FR" dirty="0" smtClean="0"/>
-          </a:p>
-          <a:p>
             <a:r>
               <a:rPr lang="fr-FR" dirty="0" smtClean="0"/>
-              <a:t>Use </a:t>
+              <a:t>Do not </a:t>
+            </a:r>
+            <a:r>
+              <a:rPr lang="fr-FR" dirty="0" smtClean="0"/>
+              <a:t>update </a:t>
+            </a:r>
+            <a:r>
+              <a:rPr lang="en-US" dirty="0" smtClean="0"/>
+              <a:t>blindly</a:t>
+            </a:r>
+            <a:r>
+              <a:rPr lang="fr-FR" dirty="0" smtClean="0"/>
+              <a:t>: </a:t>
             </a:r>
             <a:r>
               <a:rPr lang="fr-FR" dirty="0" err="1" smtClean="0"/>
-              <a:t>static</a:t>
-            </a:r>
-            <a:r>
-              <a:rPr lang="fr-FR" dirty="0" smtClean="0"/>
-              <a:t> versions of </a:t>
-            </a:r>
-            <a:r>
-              <a:rPr lang="fr-FR" dirty="0" err="1" smtClean="0"/>
-              <a:t>dependencies</a:t>
-            </a:r>
-            <a:endParaRPr lang="fr-FR" dirty="0" smtClean="0"/>
-          </a:p>
-          <a:p>
-            <a:r>
-              <a:rPr lang="fr-FR" dirty="0" smtClean="0"/>
-              <a:t>Do  not update </a:t>
-            </a:r>
-            <a:r>
-              <a:rPr lang="fr-FR" dirty="0" err="1" smtClean="0"/>
-              <a:t>blindly</a:t>
-            </a:r>
-            <a:r>
-              <a:rPr lang="fr-FR" dirty="0" smtClean="0"/>
-              <a:t> :</a:t>
-            </a:r>
-          </a:p>
-          <a:p>
-            <a:pPr lvl="1"/>
-            <a:r>
-              <a:rPr lang="fr-FR" dirty="0" smtClean="0"/>
-              <a:t>Read git </a:t>
-            </a:r>
-            <a:r>
-              <a:rPr lang="fr-FR" dirty="0" err="1" smtClean="0"/>
-              <a:t>changelogs</a:t>
+              <a:t>most</a:t>
             </a:r>
             <a:r>
               <a:rPr lang="fr-FR" dirty="0" smtClean="0"/>
@@ -9958,55 +10574,86 @@
             </a:r>
             <a:r>
               <a:rPr lang="fr-FR" dirty="0" smtClean="0"/>
-              <a:t> (</a:t>
+              <a:t> are on </a:t>
             </a:r>
             <a:r>
               <a:rPr lang="fr-FR" dirty="0" err="1" smtClean="0"/>
-              <a:t>especially</a:t>
-            </a:r>
+              <a:t>github</a:t>
+            </a:r>
+            <a:endParaRPr lang="fr-FR" dirty="0"/>
+          </a:p>
+          <a:p>
+            <a:pPr lvl="1"/>
             <a:r>
               <a:rPr lang="fr-FR" dirty="0" smtClean="0"/>
-              <a:t> « </a:t>
+              <a:t>Read the </a:t>
             </a:r>
             <a:r>
               <a:rPr lang="fr-FR" dirty="0" err="1" smtClean="0"/>
-              <a:t>small</a:t>
+              <a:t>changelog</a:t>
+            </a:r>
+            <a:endParaRPr lang="fr-FR" dirty="0"/>
+          </a:p>
+          <a:p>
+            <a:pPr lvl="1"/>
+            <a:r>
+              <a:rPr lang="fr-FR" dirty="0" err="1" smtClean="0"/>
+              <a:t>Browse</a:t>
             </a:r>
             <a:r>
               <a:rPr lang="fr-FR" dirty="0" smtClean="0"/>
-              <a:t> </a:t>
+              <a:t> the code &amp; </a:t>
             </a:r>
             <a:r>
               <a:rPr lang="fr-FR" dirty="0" err="1" smtClean="0"/>
-              <a:t>ones</a:t>
-            </a:r>
+              <a:t>commits</a:t>
+            </a:r>
+            <a:endParaRPr lang="fr-FR" dirty="0" smtClean="0"/>
+          </a:p>
+          <a:p>
+            <a:pPr lvl="1"/>
+            <a:endParaRPr lang="fr-FR" dirty="0" smtClean="0"/>
+          </a:p>
+          <a:p>
             <a:r>
               <a:rPr lang="fr-FR" dirty="0" smtClean="0"/>
-              <a:t> »)</a:t>
-            </a:r>
-          </a:p>
-          <a:p>
-            <a:pPr lvl="1"/>
+              <a:t>Use a </a:t>
+            </a:r>
+            <a:r>
+              <a:rPr lang="fr-FR" dirty="0" err="1" smtClean="0"/>
+              <a:t>tool</a:t>
+            </a:r>
             <a:r>
               <a:rPr lang="fr-FR" dirty="0" smtClean="0"/>
-              <a:t>There </a:t>
+              <a:t> to help </a:t>
             </a:r>
             <a:r>
               <a:rPr lang="fr-FR" dirty="0" err="1" smtClean="0"/>
-              <a:t>is</a:t>
+              <a:t>you</a:t>
             </a:r>
             <a:r>
               <a:rPr lang="fr-FR" dirty="0" smtClean="0"/>
-              <a:t> a package for </a:t>
-            </a:r>
-            <a:r>
-              <a:rPr lang="fr-FR" dirty="0" err="1" smtClean="0"/>
-              <a:t>that</a:t>
-            </a:r>
-            <a:r>
-              <a:rPr lang="fr-FR" dirty="0" smtClean="0"/>
-              <a:t>: https://www.npmjs.com/package/npm-check-updates</a:t>
-            </a:r>
+              <a:t> manage updates: </a:t>
+            </a:r>
+            <a:r>
+              <a:rPr lang="fr-FR" dirty="0" smtClean="0">
+                <a:hlinkClick r:id="rId2"/>
+              </a:rPr>
+              <a:t>https</a:t>
+            </a:r>
+            <a:r>
+              <a:rPr lang="fr-FR" dirty="0" smtClean="0">
+                <a:hlinkClick r:id="rId2"/>
+              </a:rPr>
+              <a:t>://</a:t>
+            </a:r>
+            <a:r>
+              <a:rPr lang="fr-FR" dirty="0" smtClean="0">
+                <a:hlinkClick r:id="rId2"/>
+              </a:rPr>
+              <a:t>www.npmjs.com/package/npm-check-updates</a:t>
+            </a:r>
+            <a:endParaRPr lang="fr-FR" dirty="0"/>
           </a:p>
         </p:txBody>
       </p:sp>
@@ -10086,7 +10733,7 @@
             <a:fld id="{AF43E6FD-AB27-4108-A2FC-346BB5F75E3F}" type="slidenum">
               <a:rPr lang="fr-FR" smtClean="0"/>
               <a:pPr/>
-              <a:t>15</a:t>
+              <a:t>17</a:t>
             </a:fld>
             <a:endParaRPr lang="fr-FR" dirty="0"/>
           </a:p>
@@ -10108,82 +10755,6 @@
           <a:lstStyle/>
           <a:p>
             <a:endParaRPr lang="fr-FR"/>
-          </a:p>
-        </p:txBody>
-      </p:sp>
-      <p:sp>
-        <p:nvSpPr>
-          <p:cNvPr id="12" name="Rectangle à coins arrondis 11"/>
-          <p:cNvSpPr/>
-          <p:nvPr/>
-        </p:nvSpPr>
-        <p:spPr>
-          <a:xfrm>
-            <a:off x="654908" y="1408670"/>
-            <a:ext cx="7549978" cy="1087395"/>
-          </a:xfrm>
-          <a:prstGeom prst="roundRect">
-            <a:avLst/>
-          </a:prstGeom>
-          <a:ln/>
-        </p:spPr>
-        <p:style>
-          <a:lnRef idx="2">
-            <a:schemeClr val="accent4">
-              <a:shade val="50000"/>
-            </a:schemeClr>
-          </a:lnRef>
-          <a:fillRef idx="1">
-            <a:schemeClr val="accent4"/>
-          </a:fillRef>
-          <a:effectRef idx="0">
-            <a:schemeClr val="accent4"/>
-          </a:effectRef>
-          <a:fontRef idx="minor">
-            <a:schemeClr val="lt1"/>
-          </a:fontRef>
-        </p:style>
-        <p:txBody>
-          <a:bodyPr rtlCol="0" anchor="ctr"/>
-          <a:lstStyle/>
-          <a:p>
-            <a:r>
-              <a:rPr lang="fr-FR" b="1" dirty="0" smtClean="0"/>
-              <a:t>Best practice:</a:t>
-            </a:r>
-          </a:p>
-          <a:p>
-            <a:pPr lvl="1">
-              <a:buFont typeface="Arial" pitchFamily="34" charset="0"/>
-              <a:buChar char="•"/>
-            </a:pPr>
-            <a:r>
-              <a:rPr lang="fr-FR" dirty="0" smtClean="0"/>
-              <a:t> </a:t>
-            </a:r>
-            <a:r>
-              <a:rPr lang="fr-FR" dirty="0" err="1" smtClean="0"/>
-              <a:t>don't</a:t>
-            </a:r>
-            <a:r>
-              <a:rPr lang="fr-FR" dirty="0" smtClean="0"/>
-              <a:t> trust </a:t>
-            </a:r>
-            <a:r>
-              <a:rPr lang="fr-FR" dirty="0" err="1" smtClean="0"/>
-              <a:t>anyone</a:t>
-            </a:r>
-            <a:endParaRPr lang="fr-FR" dirty="0" smtClean="0"/>
-          </a:p>
-          <a:p>
-            <a:pPr lvl="1">
-              <a:buFont typeface="Arial" pitchFamily="34" charset="0"/>
-              <a:buChar char="•"/>
-            </a:pPr>
-            <a:r>
-              <a:rPr lang="fr-FR" dirty="0" smtClean="0"/>
-              <a:t> do not use range</a:t>
-            </a:r>
           </a:p>
         </p:txBody>
       </p:sp>
@@ -10224,80 +10795,14 @@
           <a:lstStyle/>
           <a:p>
             <a:r>
-              <a:rPr lang="fr-FR" b="1" dirty="0" smtClean="0"/>
-              <a:t>Be </a:t>
-            </a:r>
-            <a:r>
-              <a:rPr lang="fr-FR" b="1" dirty="0" err="1" smtClean="0"/>
-              <a:t>aware</a:t>
-            </a:r>
-            <a:r>
-              <a:rPr lang="fr-FR" b="1" dirty="0" smtClean="0"/>
-              <a:t>: </a:t>
-            </a:r>
-            <a:r>
-              <a:rPr lang="fr-FR" dirty="0" smtClean="0"/>
-              <a:t>The </a:t>
-            </a:r>
-            <a:r>
-              <a:rPr lang="fr-FR" dirty="0" err="1" smtClean="0"/>
-              <a:t>dependencies</a:t>
-            </a:r>
-            <a:r>
-              <a:rPr lang="fr-FR" dirty="0" smtClean="0"/>
-              <a:t> </a:t>
-            </a:r>
-            <a:r>
-              <a:rPr lang="fr-FR" dirty="0" err="1" smtClean="0"/>
-              <a:t>you</a:t>
-            </a:r>
-            <a:r>
-              <a:rPr lang="fr-FR" dirty="0" smtClean="0"/>
-              <a:t> are </a:t>
-            </a:r>
-            <a:r>
-              <a:rPr lang="fr-FR" dirty="0" err="1" smtClean="0"/>
-              <a:t>using</a:t>
-            </a:r>
-            <a:r>
-              <a:rPr lang="fr-FR" dirty="0" smtClean="0"/>
-              <a:t> </a:t>
-            </a:r>
-            <a:r>
-              <a:rPr lang="fr-FR" dirty="0" err="1" smtClean="0"/>
-              <a:t>may</a:t>
-            </a:r>
-            <a:r>
-              <a:rPr lang="fr-FR" dirty="0" smtClean="0"/>
-              <a:t> use ranges for </a:t>
-            </a:r>
-            <a:r>
-              <a:rPr lang="fr-FR" dirty="0" err="1" smtClean="0"/>
-              <a:t>their</a:t>
-            </a:r>
-            <a:r>
-              <a:rPr lang="fr-FR" dirty="0" smtClean="0"/>
-              <a:t> </a:t>
-            </a:r>
-            <a:r>
-              <a:rPr lang="fr-FR" dirty="0" err="1" smtClean="0"/>
-              <a:t>child</a:t>
-            </a:r>
-            <a:r>
-              <a:rPr lang="fr-FR" dirty="0" smtClean="0"/>
-              <a:t> </a:t>
-            </a:r>
-            <a:r>
-              <a:rPr lang="fr-FR" dirty="0" err="1" smtClean="0"/>
-              <a:t>dependencies</a:t>
-            </a:r>
-            <a:r>
-              <a:rPr lang="fr-FR" dirty="0" smtClean="0"/>
-              <a:t>…</a:t>
-            </a:r>
-          </a:p>
-          <a:p>
-            <a:endParaRPr lang="fr-FR" dirty="0" smtClean="0"/>
+              <a:rPr lang="en-US" b="1" dirty="0" smtClean="0"/>
+              <a:t>Be aware: </a:t>
+            </a:r>
+            <a:r>
+              <a:rPr lang="en-US" dirty="0" smtClean="0"/>
+              <a:t>The dependencies you are using may use ranges for their own dependencies…</a:t>
+            </a:r>
+            <a:endParaRPr lang="en-US" dirty="0" smtClean="0"/>
           </a:p>
         </p:txBody>
       </p:sp>
@@ -10316,7 +10821,7 @@
 </p:sld>
 </file>
 
-<file path=ppt/slides/slide16.xml><?xml version="1.0" encoding="utf-8"?>
+<file path=ppt/slides/slide18.xml><?xml version="1.0" encoding="utf-8"?>
 <p:sld xmlns:a="http://schemas.openxmlformats.org/drawingml/2006/main" xmlns:r="http://schemas.openxmlformats.org/officeDocument/2006/relationships" xmlns:p="http://schemas.openxmlformats.org/presentationml/2006/main">
   <p:cSld>
     <p:spTree>
@@ -10349,185 +10854,40 @@
           <a:lstStyle/>
           <a:p>
             <a:r>
-              <a:rPr lang="fr-FR" dirty="0" err="1" smtClean="0"/>
-              <a:t>Dependency</a:t>
-            </a:r>
-            <a:r>
-              <a:rPr lang="fr-FR" dirty="0" smtClean="0"/>
-              <a:t> </a:t>
-            </a:r>
-            <a:r>
-              <a:rPr lang="fr-FR" dirty="0" err="1" smtClean="0"/>
-              <a:t>managment</a:t>
-            </a:r>
-            <a:r>
-              <a:rPr lang="fr-FR" dirty="0" smtClean="0"/>
-              <a:t> </a:t>
-            </a:r>
-            <a:r>
-              <a:rPr lang="fr-FR" dirty="0" err="1" smtClean="0"/>
-              <a:t>is</a:t>
-            </a:r>
-            <a:r>
-              <a:rPr lang="fr-FR" dirty="0" smtClean="0"/>
-              <a:t> essential, </a:t>
-            </a:r>
-            <a:r>
-              <a:rPr lang="fr-FR" dirty="0" err="1" smtClean="0"/>
-              <a:t>especially</a:t>
-            </a:r>
-            <a:r>
-              <a:rPr lang="fr-FR" dirty="0" smtClean="0"/>
-              <a:t> in a </a:t>
-            </a:r>
-            <a:r>
-              <a:rPr lang="fr-FR" dirty="0" err="1" smtClean="0"/>
-              <a:t>fast</a:t>
-            </a:r>
-            <a:r>
-              <a:rPr lang="fr-FR" dirty="0" smtClean="0"/>
-              <a:t> </a:t>
-            </a:r>
-            <a:r>
-              <a:rPr lang="fr-FR" dirty="0" err="1" smtClean="0"/>
-              <a:t>moving</a:t>
-            </a:r>
-            <a:r>
-              <a:rPr lang="fr-FR" dirty="0" smtClean="0"/>
-              <a:t> </a:t>
-            </a:r>
-            <a:r>
-              <a:rPr lang="fr-FR" dirty="0" err="1" smtClean="0"/>
-              <a:t>ecosystem</a:t>
-            </a:r>
-            <a:r>
-              <a:rPr lang="fr-FR" dirty="0" smtClean="0"/>
-              <a:t> </a:t>
-            </a:r>
-            <a:r>
-              <a:rPr lang="fr-FR" dirty="0" err="1" smtClean="0"/>
-              <a:t>like</a:t>
-            </a:r>
-            <a:r>
-              <a:rPr lang="fr-FR" dirty="0" smtClean="0"/>
-              <a:t> JavaScript</a:t>
-            </a:r>
-          </a:p>
-          <a:p>
-            <a:endParaRPr lang="fr-FR" dirty="0" smtClean="0"/>
-          </a:p>
-          <a:p>
-            <a:r>
-              <a:rPr lang="fr-FR" dirty="0" err="1" smtClean="0"/>
-              <a:t>Dependency</a:t>
-            </a:r>
-            <a:r>
-              <a:rPr lang="fr-FR" dirty="0" smtClean="0"/>
-              <a:t> </a:t>
-            </a:r>
-            <a:r>
-              <a:rPr lang="fr-FR" dirty="0" err="1" smtClean="0"/>
-              <a:t>managment</a:t>
-            </a:r>
-            <a:r>
-              <a:rPr lang="fr-FR" dirty="0" smtClean="0"/>
-              <a:t> </a:t>
-            </a:r>
-            <a:r>
-              <a:rPr lang="fr-FR" dirty="0" err="1" smtClean="0"/>
-              <a:t>is</a:t>
-            </a:r>
-            <a:r>
-              <a:rPr lang="fr-FR" dirty="0" smtClean="0"/>
-              <a:t> a </a:t>
-            </a:r>
-            <a:r>
-              <a:rPr lang="fr-FR" dirty="0" err="1" smtClean="0"/>
-              <a:t>task</a:t>
-            </a:r>
-            <a:r>
-              <a:rPr lang="fr-FR" dirty="0" smtClean="0"/>
-              <a:t> in the </a:t>
-            </a:r>
-            <a:r>
-              <a:rPr lang="fr-FR" dirty="0" err="1" smtClean="0"/>
-              <a:t>project</a:t>
-            </a:r>
-            <a:r>
-              <a:rPr lang="fr-FR" dirty="0" smtClean="0"/>
-              <a:t> </a:t>
-            </a:r>
-            <a:r>
-              <a:rPr lang="fr-FR" dirty="0" err="1" smtClean="0"/>
-              <a:t>lifecycle</a:t>
-            </a:r>
-            <a:r>
-              <a:rPr lang="fr-FR" dirty="0" smtClean="0"/>
-              <a:t>:</a:t>
+              <a:rPr lang="en-US" dirty="0" smtClean="0"/>
+              <a:t>Dependency management is essential, especially in a fast moving ecosystem like JavaScript</a:t>
+            </a:r>
+          </a:p>
+          <a:p>
+            <a:endParaRPr lang="en-US" dirty="0" smtClean="0"/>
+          </a:p>
+          <a:p>
+            <a:r>
+              <a:rPr lang="en-US" dirty="0" smtClean="0"/>
+              <a:t>Dependency management must be a task in the project lifecycle:</a:t>
             </a:r>
           </a:p>
           <a:p>
             <a:pPr lvl="1"/>
             <a:r>
-              <a:rPr lang="fr-FR" b="1" dirty="0" smtClean="0"/>
-              <a:t>It must </a:t>
-            </a:r>
-            <a:r>
-              <a:rPr lang="fr-FR" b="1" dirty="0" err="1" smtClean="0"/>
-              <a:t>be</a:t>
-            </a:r>
-            <a:r>
-              <a:rPr lang="fr-FR" b="1" dirty="0" smtClean="0"/>
-              <a:t> </a:t>
-            </a:r>
-            <a:r>
-              <a:rPr lang="fr-FR" b="1" dirty="0" err="1" smtClean="0"/>
-              <a:t>discussed</a:t>
-            </a:r>
-            <a:r>
-              <a:rPr lang="fr-FR" b="1" dirty="0" smtClean="0"/>
-              <a:t> by the team</a:t>
+              <a:rPr lang="en-US" b="1" dirty="0" smtClean="0"/>
+              <a:t>It must be discussed by the team</a:t>
             </a:r>
           </a:p>
           <a:p>
             <a:pPr lvl="1"/>
             <a:r>
-              <a:rPr lang="fr-FR" b="1" dirty="0" smtClean="0"/>
-              <a:t>It must </a:t>
-            </a:r>
-            <a:r>
-              <a:rPr lang="fr-FR" b="1" dirty="0" err="1" smtClean="0"/>
-              <a:t>be</a:t>
-            </a:r>
-            <a:r>
-              <a:rPr lang="fr-FR" b="1" dirty="0" smtClean="0"/>
-              <a:t> </a:t>
-            </a:r>
-            <a:r>
-              <a:rPr lang="fr-FR" b="1" dirty="0" err="1" smtClean="0"/>
-              <a:t>planned</a:t>
-            </a:r>
-            <a:endParaRPr lang="fr-FR" b="1" dirty="0" smtClean="0"/>
+              <a:rPr lang="en-US" b="1" dirty="0" smtClean="0"/>
+              <a:t>It must be planned</a:t>
+            </a:r>
           </a:p>
           <a:p>
             <a:pPr lvl="1"/>
             <a:r>
-              <a:rPr lang="fr-FR" b="1" dirty="0" smtClean="0"/>
-              <a:t>It must </a:t>
-            </a:r>
-            <a:r>
-              <a:rPr lang="fr-FR" b="1" dirty="0" err="1" smtClean="0"/>
-              <a:t>be</a:t>
-            </a:r>
-            <a:r>
-              <a:rPr lang="fr-FR" b="1" dirty="0" smtClean="0"/>
-              <a:t> </a:t>
-            </a:r>
-            <a:r>
-              <a:rPr lang="fr-FR" b="1" dirty="0" err="1" smtClean="0"/>
-              <a:t>tested</a:t>
-            </a:r>
-            <a:endParaRPr lang="fr-FR" b="1" dirty="0" smtClean="0"/>
+              <a:rPr lang="en-US" b="1" dirty="0" smtClean="0"/>
+              <a:t>It must be tested</a:t>
+            </a:r>
+            <a:endParaRPr lang="en-US" b="1" dirty="0" smtClean="0"/>
           </a:p>
         </p:txBody>
       </p:sp>
@@ -10607,7 +10967,7 @@
             <a:fld id="{AF43E6FD-AB27-4108-A2FC-346BB5F75E3F}" type="slidenum">
               <a:rPr lang="fr-FR" smtClean="0"/>
               <a:pPr/>
-              <a:t>16</a:t>
+              <a:t>18</a:t>
             </a:fld>
             <a:endParaRPr lang="fr-FR" dirty="0"/>
           </a:p>
@@ -10629,106 +10989,6 @@
           <a:lstStyle/>
           <a:p>
             <a:endParaRPr lang="fr-FR"/>
-          </a:p>
-        </p:txBody>
-      </p:sp>
-      <p:sp>
-        <p:nvSpPr>
-          <p:cNvPr id="9" name="Rectangle à coins arrondis 8"/>
-          <p:cNvSpPr/>
-          <p:nvPr/>
-        </p:nvSpPr>
-        <p:spPr>
-          <a:xfrm>
-            <a:off x="758757" y="5016369"/>
-            <a:ext cx="7549978" cy="1087395"/>
-          </a:xfrm>
-          <a:prstGeom prst="roundRect">
-            <a:avLst/>
-          </a:prstGeom>
-          <a:ln/>
-        </p:spPr>
-        <p:style>
-          <a:lnRef idx="2">
-            <a:schemeClr val="accent3">
-              <a:shade val="50000"/>
-            </a:schemeClr>
-          </a:lnRef>
-          <a:fillRef idx="1">
-            <a:schemeClr val="accent3"/>
-          </a:fillRef>
-          <a:effectRef idx="0">
-            <a:schemeClr val="accent3"/>
-          </a:effectRef>
-          <a:fontRef idx="minor">
-            <a:schemeClr val="lt1"/>
-          </a:fontRef>
-        </p:style>
-        <p:txBody>
-          <a:bodyPr rtlCol="0" anchor="ctr"/>
-          <a:lstStyle/>
-          <a:p>
-            <a:r>
-              <a:rPr lang="fr-FR" b="1" dirty="0" smtClean="0"/>
-              <a:t>Warning</a:t>
-            </a:r>
-            <a:r>
-              <a:rPr lang="fr-FR" dirty="0" smtClean="0"/>
-              <a:t>: </a:t>
-            </a:r>
-            <a:r>
-              <a:rPr lang="fr-FR" dirty="0" err="1" smtClean="0"/>
-              <a:t>Dependencies</a:t>
-            </a:r>
-            <a:r>
-              <a:rPr lang="fr-FR" dirty="0" smtClean="0"/>
-              <a:t> managers </a:t>
-            </a:r>
-            <a:r>
-              <a:rPr lang="fr-FR" dirty="0" err="1" smtClean="0"/>
-              <a:t>don't</a:t>
-            </a:r>
-            <a:r>
-              <a:rPr lang="fr-FR" dirty="0" smtClean="0"/>
-              <a:t> </a:t>
-            </a:r>
-            <a:r>
-              <a:rPr lang="fr-FR" dirty="0" err="1" smtClean="0"/>
-              <a:t>play</a:t>
-            </a:r>
-            <a:r>
-              <a:rPr lang="fr-FR" dirty="0" smtClean="0"/>
-              <a:t> </a:t>
-            </a:r>
-            <a:r>
-              <a:rPr lang="fr-FR" dirty="0" err="1" smtClean="0"/>
-              <a:t>well</a:t>
-            </a:r>
-            <a:r>
-              <a:rPr lang="fr-FR" dirty="0" smtClean="0"/>
-              <a:t> </a:t>
-            </a:r>
-            <a:r>
-              <a:rPr lang="fr-FR" dirty="0" err="1" smtClean="0"/>
-              <a:t>with</a:t>
-            </a:r>
-            <a:r>
-              <a:rPr lang="fr-FR" dirty="0" smtClean="0"/>
-              <a:t> </a:t>
-            </a:r>
-            <a:r>
-              <a:rPr lang="fr-FR" dirty="0" err="1" smtClean="0"/>
-              <a:t>security</a:t>
-            </a:r>
-            <a:r>
-              <a:rPr lang="fr-FR" dirty="0" smtClean="0"/>
-              <a:t> </a:t>
-            </a:r>
-            <a:r>
-              <a:rPr lang="fr-FR" dirty="0" err="1" smtClean="0"/>
-              <a:t>policy</a:t>
-            </a:r>
-            <a:endParaRPr lang="fr-FR" dirty="0" smtClean="0"/>
           </a:p>
         </p:txBody>
       </p:sp>
@@ -10780,37 +11040,71 @@
           <a:lstStyle/>
           <a:p>
             <a:r>
-              <a:rPr lang="fr-FR" sz="6000" dirty="0" err="1" smtClean="0"/>
-              <a:t>Yes</a:t>
-            </a:r>
-            <a:r>
-              <a:rPr lang="fr-FR" sz="6000" dirty="0" smtClean="0"/>
-              <a:t>!</a:t>
-            </a:r>
-          </a:p>
-          <a:p>
-            <a:endParaRPr lang="fr-FR" dirty="0" smtClean="0"/>
-          </a:p>
-          <a:p>
+              <a:rPr lang="en-US" sz="4800" dirty="0"/>
+              <a:t>Yes!</a:t>
+            </a:r>
+          </a:p>
+          <a:p>
+            <a:endParaRPr lang="en-US" dirty="0"/>
+          </a:p>
+          <a:p>
+            <a:r>
+              <a:rPr lang="en-US" dirty="0"/>
+              <a:t>Dependencies must not be mixed with app code base</a:t>
+            </a:r>
+          </a:p>
+          <a:p>
+            <a:r>
+              <a:rPr lang="en-US" dirty="0"/>
+              <a:t>Dependencies must be kept up to </a:t>
+            </a:r>
+            <a:r>
+              <a:rPr lang="en-US" dirty="0" smtClean="0"/>
+              <a:t>date</a:t>
+            </a:r>
+          </a:p>
+          <a:p>
+            <a:r>
+              <a:rPr lang="en-US" dirty="0" smtClean="0"/>
+              <a:t>JavaScript </a:t>
+            </a:r>
+            <a:r>
+              <a:rPr lang="en-US" dirty="0"/>
+              <a:t>projects use A LOT a dependencies</a:t>
+            </a:r>
+          </a:p>
+          <a:p>
+            <a:pPr lvl="1"/>
+            <a:r>
+              <a:rPr lang="en-US" dirty="0"/>
+              <a:t>Ex: EDF NOVA project -&gt; 4 month old and already 100+ deps</a:t>
+            </a:r>
+            <a:endParaRPr lang="en-US" dirty="0"/>
+          </a:p>
+        </p:txBody>
+      </p:sp>
+      <p:sp>
+        <p:nvSpPr>
+          <p:cNvPr id="3" name="Titre 2"/>
+          <p:cNvSpPr>
+            <a:spLocks noGrp="1"/>
+          </p:cNvSpPr>
+          <p:nvPr>
+            <p:ph type="title"/>
+          </p:nvPr>
+        </p:nvSpPr>
+        <p:spPr/>
+        <p:txBody>
+          <a:bodyPr/>
+          <a:lstStyle/>
+          <a:p>
+            <a:r>
+              <a:rPr lang="fr-FR" dirty="0" smtClean="0"/>
+              <a:t>DO I </a:t>
+            </a:r>
             <a:r>
               <a:rPr lang="fr-FR" dirty="0" err="1" smtClean="0"/>
-              <a:t>Dependencies</a:t>
-            </a:r>
-            <a:r>
-              <a:rPr lang="fr-FR" dirty="0" smtClean="0"/>
-              <a:t> must not </a:t>
-            </a:r>
-            <a:r>
-              <a:rPr lang="fr-FR" dirty="0" err="1" smtClean="0"/>
-              <a:t>be</a:t>
-            </a:r>
-            <a:r>
-              <a:rPr lang="fr-FR" dirty="0" smtClean="0"/>
-              <a:t> mixed </a:t>
-            </a:r>
-            <a:r>
-              <a:rPr lang="fr-FR" dirty="0" err="1" smtClean="0"/>
-              <a:t>with</a:t>
+              <a:t>need</a:t>
             </a:r>
             <a:r>
               <a:rPr lang="fr-FR" dirty="0" smtClean="0"/>
@@ -10818,148 +11112,15 @@
             </a:r>
             <a:r>
               <a:rPr lang="fr-FR" dirty="0" err="1" smtClean="0"/>
-              <a:t>app</a:t>
-            </a:r>
-            <a:r>
-              <a:rPr lang="fr-FR" dirty="0" smtClean="0"/>
-              <a:t> code base</a:t>
-            </a:r>
-          </a:p>
-          <a:p>
-            <a:r>
-              <a:rPr lang="fr-FR" dirty="0" err="1" smtClean="0"/>
-              <a:t>Dependencies</a:t>
-            </a:r>
-            <a:r>
-              <a:rPr lang="fr-FR" dirty="0" smtClean="0"/>
-              <a:t> must </a:t>
-            </a:r>
-            <a:r>
-              <a:rPr lang="fr-FR" dirty="0" err="1" smtClean="0"/>
-              <a:t>be</a:t>
+              <a:t>dependency</a:t>
             </a:r>
             <a:r>
               <a:rPr lang="fr-FR" dirty="0" smtClean="0"/>
               <a:t> </a:t>
             </a:r>
             <a:r>
-              <a:rPr lang="fr-FR" dirty="0" err="1" smtClean="0"/>
-              <a:t>kept</a:t>
-            </a:r>
-            <a:r>
               <a:rPr lang="fr-FR" dirty="0" smtClean="0"/>
-              <a:t> up to date</a:t>
-            </a:r>
-          </a:p>
-          <a:p>
-            <a:r>
-              <a:rPr lang="fr-FR" dirty="0" err="1" smtClean="0"/>
-              <a:t>Javascipt</a:t>
-            </a:r>
-            <a:r>
-              <a:rPr lang="fr-FR" dirty="0" smtClean="0"/>
-              <a:t> </a:t>
-            </a:r>
-            <a:r>
-              <a:rPr lang="fr-FR" dirty="0" err="1" smtClean="0"/>
-              <a:t>projects</a:t>
-            </a:r>
-            <a:r>
-              <a:rPr lang="fr-FR" dirty="0" smtClean="0"/>
-              <a:t> use A LOT a </a:t>
-            </a:r>
-            <a:r>
-              <a:rPr lang="fr-FR" dirty="0" err="1" smtClean="0"/>
-              <a:t>dependencies</a:t>
-            </a:r>
-            <a:endParaRPr lang="fr-FR" dirty="0" smtClean="0"/>
-          </a:p>
-          <a:p>
-            <a:pPr lvl="1"/>
-            <a:r>
-              <a:rPr lang="fr-FR" dirty="0" smtClean="0"/>
-              <a:t>4 </a:t>
-            </a:r>
-            <a:r>
-              <a:rPr lang="fr-FR" dirty="0" err="1" smtClean="0"/>
-              <a:t>month</a:t>
-            </a:r>
-            <a:r>
-              <a:rPr lang="fr-FR" dirty="0" smtClean="0"/>
-              <a:t> </a:t>
-            </a:r>
-            <a:r>
-              <a:rPr lang="fr-FR" dirty="0" err="1" smtClean="0"/>
-              <a:t>old</a:t>
-            </a:r>
-            <a:r>
-              <a:rPr lang="fr-FR" dirty="0" smtClean="0"/>
-              <a:t> </a:t>
-            </a:r>
-            <a:r>
-              <a:rPr lang="fr-FR" dirty="0" err="1" smtClean="0"/>
-              <a:t>project</a:t>
-            </a:r>
-            <a:r>
-              <a:rPr lang="fr-FR" dirty="0" smtClean="0"/>
-              <a:t>: 100+ </a:t>
-            </a:r>
-            <a:r>
-              <a:rPr lang="fr-FR" dirty="0" err="1" smtClean="0"/>
-              <a:t>deps</a:t>
-            </a:r>
-            <a:endParaRPr lang="fr-FR" dirty="0" smtClean="0"/>
-          </a:p>
-          <a:p>
-            <a:endParaRPr lang="fr-FR" dirty="0" smtClean="0"/>
-          </a:p>
-          <a:p>
-            <a:endParaRPr lang="fr-FR" dirty="0"/>
-          </a:p>
-        </p:txBody>
-      </p:sp>
-      <p:sp>
-        <p:nvSpPr>
-          <p:cNvPr id="3" name="Titre 2"/>
-          <p:cNvSpPr>
-            <a:spLocks noGrp="1"/>
-          </p:cNvSpPr>
-          <p:nvPr>
-            <p:ph type="title"/>
-          </p:nvPr>
-        </p:nvSpPr>
-        <p:spPr/>
-        <p:txBody>
-          <a:bodyPr/>
-          <a:lstStyle/>
-          <a:p>
-            <a:r>
-              <a:rPr lang="fr-FR" dirty="0" smtClean="0"/>
-              <a:t>DO I </a:t>
-            </a:r>
-            <a:r>
-              <a:rPr lang="fr-FR" dirty="0" err="1" smtClean="0"/>
-              <a:t>need</a:t>
-            </a:r>
-            <a:r>
-              <a:rPr lang="fr-FR" dirty="0" smtClean="0"/>
-              <a:t> </a:t>
-            </a:r>
-            <a:r>
-              <a:rPr lang="fr-FR" dirty="0" err="1" smtClean="0"/>
-              <a:t>dependency</a:t>
-            </a:r>
-            <a:r>
-              <a:rPr lang="fr-FR" dirty="0" smtClean="0"/>
-              <a:t> </a:t>
-            </a:r>
-            <a:r>
-              <a:rPr lang="fr-FR" dirty="0" err="1" smtClean="0"/>
-              <a:t>managment</a:t>
-            </a:r>
-            <a:r>
-              <a:rPr lang="fr-FR" dirty="0" smtClean="0"/>
-              <a:t>?</a:t>
+              <a:t>management?</a:t>
             </a:r>
             <a:endParaRPr lang="fr-FR" dirty="0"/>
           </a:p>
@@ -11028,6 +11189,11 @@
         </p:txBody>
       </p:sp>
     </p:spTree>
+    <p:extLst>
+      <p:ext uri="{BB962C8B-B14F-4D97-AF65-F5344CB8AC3E}">
+        <p14:creationId xmlns:p14="http://schemas.microsoft.com/office/powerpoint/2010/main" val="1527925260"/>
+      </p:ext>
+    </p:extLst>
   </p:cSld>
   <p:clrMapOvr>
     <a:masterClrMapping/>
@@ -11334,22 +11500,30 @@
             <a:pPr lvl="1"/>
             <a:r>
               <a:rPr lang="en-US" dirty="0" smtClean="0"/>
-              <a:t>No dependency conflicts (all your dependencies use their own version)</a:t>
+              <a:t>No dependency </a:t>
+            </a:r>
+            <a:r>
+              <a:rPr lang="en-US" dirty="0" smtClean="0"/>
+              <a:t>conflict</a:t>
             </a:r>
           </a:p>
           <a:p>
             <a:pPr lvl="1"/>
             <a:r>
               <a:rPr lang="en-US" dirty="0" smtClean="0"/>
-              <a:t>doesn't work that well on the front-end: imagine a site having to download three copies of </a:t>
-            </a:r>
-            <a:r>
-              <a:rPr lang="en-US" dirty="0" err="1" smtClean="0"/>
-              <a:t>jQuery</a:t>
+              <a:t>/!\ </a:t>
+            </a:r>
+            <a:r>
+              <a:rPr lang="en-US" dirty="0"/>
+              <a:t>D</a:t>
             </a:r>
             <a:r>
               <a:rPr lang="en-US" dirty="0" smtClean="0"/>
-              <a:t>.</a:t>
+              <a:t>oesn't </a:t>
+            </a:r>
+            <a:r>
+              <a:rPr lang="en-US" dirty="0" smtClean="0"/>
+              <a:t>work that well on the front-end: imagine a site having to download three copies of jQuery.</a:t>
             </a:r>
           </a:p>
           <a:p>
@@ -11376,7 +11550,11 @@
             <a:pPr lvl="1"/>
             <a:r>
               <a:rPr lang="en-US" dirty="0" smtClean="0"/>
-              <a:t>Dependency conflict must be dealt with by the developer</a:t>
+              <a:t>/!\ Dependency </a:t>
+            </a:r>
+            <a:r>
+              <a:rPr lang="en-US" dirty="0" smtClean="0"/>
+              <a:t>conflict must be dealt with by the developer</a:t>
             </a:r>
           </a:p>
           <a:p>
@@ -11542,29 +11720,58 @@
           <a:p>
             <a:r>
               <a:rPr lang="en-US" dirty="0" smtClean="0"/>
-              <a:t>Node Packet Manager</a:t>
-            </a:r>
-          </a:p>
-          <a:p>
-            <a:endParaRPr lang="en-US" dirty="0" smtClean="0">
-              <a:hlinkClick r:id="rId2"/>
-            </a:endParaRPr>
-          </a:p>
-          <a:p>
-            <a:r>
-              <a:rPr lang="en-US" dirty="0" err="1" smtClean="0">
+              <a:t>Node Packet </a:t>
+            </a:r>
+            <a:r>
+              <a:rPr lang="en-US" dirty="0" smtClean="0"/>
+              <a:t>Manager</a:t>
+            </a:r>
+          </a:p>
+          <a:p>
+            <a:endParaRPr lang="en-US" dirty="0"/>
+          </a:p>
+          <a:p>
+            <a:r>
+              <a:rPr lang="en-US" dirty="0" smtClean="0"/>
+              <a:t>Node </a:t>
+            </a:r>
+            <a:r>
+              <a:rPr lang="en-US" dirty="0"/>
+              <a:t>official registry: </a:t>
+            </a:r>
+            <a:r>
+              <a:rPr lang="en-US" dirty="0">
                 <a:hlinkClick r:id="rId2"/>
               </a:rPr>
-              <a:t>npm</a:t>
-            </a:r>
+              <a:t>https://www.npmjs.com</a:t>
+            </a:r>
+            <a:r>
+              <a:rPr lang="en-US" dirty="0" smtClean="0">
+                <a:hlinkClick r:id="rId2"/>
+              </a:rPr>
+              <a:t>/</a:t>
+            </a:r>
+            <a:endParaRPr lang="en-US" dirty="0" smtClean="0"/>
+          </a:p>
+          <a:p>
+            <a:endParaRPr lang="en-US" dirty="0" smtClean="0">
+              <a:hlinkClick r:id="rId3"/>
+            </a:endParaRPr>
+          </a:p>
+          <a:p>
             <a:r>
               <a:rPr lang="en-US" dirty="0" smtClean="0"/>
-              <a:t> is most commonly used for managing Node.js </a:t>
+              <a:t>Most </a:t>
             </a:r>
             <a:r>
               <a:rPr lang="en-US" dirty="0" smtClean="0"/>
-              <a:t>modules</a:t>
-            </a:r>
+              <a:t>commonly used for managing Node.js </a:t>
+            </a:r>
+            <a:r>
+              <a:rPr lang="en-US" dirty="0" smtClean="0"/>
+              <a:t>modules (build tools)</a:t>
+            </a:r>
+            <a:endParaRPr lang="en-US" dirty="0" smtClean="0"/>
           </a:p>
           <a:p>
             <a:endParaRPr lang="en-US" dirty="0" smtClean="0"/>
@@ -11576,12 +11783,9 @@
             </a:r>
             <a:r>
               <a:rPr lang="en-US" dirty="0" smtClean="0"/>
-              <a:t>It </a:t>
-            </a:r>
-            <a:r>
-              <a:rPr lang="en-US" dirty="0" smtClean="0"/>
-              <a:t>is much harder to avoid dependency conflicts without nesting dependencies. </a:t>
-            </a:r>
+              <a:t>no dependency conflicts</a:t>
+            </a:r>
+            <a:endParaRPr lang="en-US" dirty="0" smtClean="0"/>
           </a:p>
           <a:p>
             <a:pPr>
@@ -11672,7 +11876,7 @@
           <a:bodyPr/>
           <a:lstStyle/>
           <a:p>
-            <a:endParaRPr lang="fr-FR"/>
+            <a:endParaRPr lang="fr-FR" dirty="0"/>
           </a:p>
         </p:txBody>
       </p:sp>
@@ -11685,7 +11889,7 @@
           <p:nvPr/>
         </p:nvPicPr>
         <p:blipFill>
-          <a:blip r:embed="rId3"/>
+          <a:blip r:embed="rId4"/>
           <a:srcRect/>
           <a:stretch>
             <a:fillRect/>
@@ -11751,7 +11955,33 @@
           <a:p>
             <a:r>
               <a:rPr lang="en-US" dirty="0" smtClean="0"/>
-              <a:t>Usage: </a:t>
+              <a:t>Instal</a:t>
+            </a:r>
+            <a:r>
+              <a:rPr lang="en-US" dirty="0" smtClean="0"/>
+              <a:t>l a specific dependency:</a:t>
+            </a:r>
+          </a:p>
+          <a:p>
+            <a:endParaRPr lang="en-US" dirty="0"/>
+          </a:p>
+          <a:p>
+            <a:endParaRPr lang="en-US" dirty="0" smtClean="0"/>
+          </a:p>
+          <a:p>
+            <a:endParaRPr lang="en-US" dirty="0"/>
+          </a:p>
+          <a:p>
+            <a:endParaRPr lang="en-US" dirty="0" smtClean="0"/>
+          </a:p>
+          <a:p>
+            <a:r>
+              <a:rPr lang="en-US" dirty="0" smtClean="0"/>
+              <a:t>Install all dependencies from </a:t>
+            </a:r>
+            <a:r>
+              <a:rPr lang="en-US" dirty="0" err="1" smtClean="0"/>
+              <a:t>package.json</a:t>
             </a:r>
             <a:endParaRPr lang="en-US" dirty="0" smtClean="0"/>
           </a:p>
@@ -11850,17 +12080,39 @@
           </p:cNvPicPr>
           <p:nvPr/>
         </p:nvPicPr>
-        <p:blipFill>
+        <p:blipFill rotWithShape="1">
           <a:blip r:embed="rId2"/>
-          <a:srcRect/>
-          <a:stretch>
-            <a:fillRect/>
-          </a:stretch>
+          <a:srcRect b="86959"/>
+          <a:stretch/>
         </p:blipFill>
         <p:spPr bwMode="auto">
           <a:xfrm>
-            <a:off x="697259" y="2168706"/>
-            <a:ext cx="7786384" cy="3325786"/>
+            <a:off x="544439" y="4593755"/>
+            <a:ext cx="7786384" cy="433712"/>
+          </a:xfrm>
+          <a:prstGeom prst="rect">
+            <a:avLst/>
+          </a:prstGeom>
+          <a:noFill/>
+        </p:spPr>
+      </p:pic>
+      <p:pic>
+        <p:nvPicPr>
+          <p:cNvPr id="8" name="Picture 2" descr="C:\Users\YCE\Documents\My Screen Captures\PrtScr capture_7.png"/>
+          <p:cNvPicPr>
+            <a:picLocks noChangeAspect="1" noChangeArrowheads="1"/>
+          </p:cNvPicPr>
+          <p:nvPr/>
+        </p:nvPicPr>
+        <p:blipFill rotWithShape="1">
+          <a:blip r:embed="rId2"/>
+          <a:srcRect t="13294" b="32068"/>
+          <a:stretch/>
+        </p:blipFill>
+        <p:spPr bwMode="auto">
+          <a:xfrm>
+            <a:off x="515938" y="1905138"/>
+            <a:ext cx="7786384" cy="1817140"/>
           </a:xfrm>
           <a:prstGeom prst="rect">
             <a:avLst/>
@@ -12114,22 +12366,42 @@
           </a:p>
           <a:p>
             <a:r>
+              <a:rPr lang="en-US" dirty="0"/>
+              <a:t>Registry: </a:t>
+            </a:r>
+            <a:r>
+              <a:rPr lang="en-US" dirty="0">
+                <a:hlinkClick r:id="rId3"/>
+              </a:rPr>
+              <a:t>https://bower.io</a:t>
+            </a:r>
+            <a:r>
+              <a:rPr lang="en-US" dirty="0" smtClean="0">
+                <a:hlinkClick r:id="rId3"/>
+              </a:rPr>
+              <a:t>/</a:t>
+            </a:r>
+            <a:endParaRPr lang="en-US" dirty="0" smtClean="0"/>
+          </a:p>
+          <a:p>
+            <a:r>
               <a:rPr lang="en-US" dirty="0" smtClean="0"/>
-              <a:t>Bower</a:t>
+              <a:t>Bower is created solely for the front-end and is optimized with that in </a:t>
             </a:r>
             <a:r>
               <a:rPr lang="en-US" dirty="0" smtClean="0"/>
-              <a:t> is created solely for the front-end and is optimized with that in mind. </a:t>
-            </a:r>
+              <a:t>mind: good for libraries that embedded in the app</a:t>
+            </a:r>
+            <a:endParaRPr lang="en-US" dirty="0" smtClean="0"/>
           </a:p>
           <a:p>
             <a:r>
               <a:rPr lang="en-US" dirty="0" smtClean="0"/>
-              <a:t>Bower </a:t>
+              <a:t>Bower uses a flat dependency tree, requiring only one version for each package, reducing page load to a minimum</a:t>
             </a:r>
             <a:r>
               <a:rPr lang="en-US" dirty="0" smtClean="0"/>
-              <a:t>uses a flat dependency tree, requiring only one version for each package, reducing page load to a minimum.</a:t>
+              <a:t>.</a:t>
             </a:r>
           </a:p>
           <a:p>
@@ -12231,7 +12503,7 @@
           <p:nvPr/>
         </p:nvPicPr>
         <p:blipFill>
-          <a:blip r:embed="rId3"/>
+          <a:blip r:embed="rId4"/>
           <a:srcRect/>
           <a:stretch>
             <a:fillRect/>
@@ -12257,7 +12529,7 @@
           <p:nvPr/>
         </p:nvPicPr>
         <p:blipFill>
-          <a:blip r:embed="rId4"/>
+          <a:blip r:embed="rId5"/>
           <a:srcRect/>
           <a:stretch>
             <a:fillRect/>
@@ -12328,50 +12600,56 @@
           <a:lstStyle/>
           <a:p>
             <a:r>
-              <a:rPr lang="fr-FR" dirty="0" smtClean="0"/>
-              <a:t>Usage:</a:t>
-            </a:r>
-          </a:p>
-          <a:p>
-            <a:endParaRPr lang="fr-FR" dirty="0" smtClean="0"/>
-          </a:p>
-          <a:p>
-            <a:endParaRPr lang="fr-FR" dirty="0" smtClean="0"/>
-          </a:p>
-          <a:p>
-            <a:endParaRPr lang="fr-FR" dirty="0" smtClean="0"/>
-          </a:p>
-          <a:p>
-            <a:endParaRPr lang="fr-FR" dirty="0" smtClean="0"/>
-          </a:p>
-          <a:p>
-            <a:endParaRPr lang="fr-FR" dirty="0" smtClean="0"/>
-          </a:p>
-          <a:p>
-            <a:endParaRPr lang="fr-FR" dirty="0" smtClean="0"/>
-          </a:p>
-          <a:p>
-            <a:r>
-              <a:rPr lang="fr-FR" dirty="0" smtClean="0"/>
+              <a:rPr lang="en-US" dirty="0"/>
+              <a:t>Install a specific dependency:</a:t>
+            </a:r>
+          </a:p>
+          <a:p>
+            <a:endParaRPr lang="en-US" dirty="0"/>
+          </a:p>
+          <a:p>
+            <a:endParaRPr lang="en-US" dirty="0"/>
+          </a:p>
+          <a:p>
+            <a:endParaRPr lang="en-US" dirty="0"/>
+          </a:p>
+          <a:p>
+            <a:endParaRPr lang="en-US" dirty="0" smtClean="0"/>
+          </a:p>
+          <a:p>
+            <a:endParaRPr lang="en-US" dirty="0" smtClean="0"/>
+          </a:p>
+          <a:p>
+            <a:pPr lvl="1"/>
+            <a:r>
+              <a:rPr lang="fr-FR" dirty="0"/>
               <a:t>Use </a:t>
             </a:r>
             <a:r>
-              <a:rPr lang="fr-FR" b="1" dirty="0" smtClean="0">
+              <a:rPr lang="fr-FR" b="1" dirty="0">
                 <a:latin typeface="Courier New" pitchFamily="49" charset="0"/>
                 <a:cs typeface="Courier New" pitchFamily="49" charset="0"/>
               </a:rPr>
-              <a:t>–</a:t>
-            </a:r>
-            <a:r>
-              <a:rPr lang="fr-FR" b="1" dirty="0" err="1" smtClean="0">
+              <a:t>–-</a:t>
+            </a:r>
+            <a:r>
+              <a:rPr lang="fr-FR" b="1" dirty="0" err="1">
                 <a:latin typeface="Courier New" pitchFamily="49" charset="0"/>
                 <a:cs typeface="Courier New" pitchFamily="49" charset="0"/>
               </a:rPr>
               <a:t>save</a:t>
             </a:r>
             <a:r>
+              <a:rPr lang="fr-FR" dirty="0"/>
+              <a:t> option to </a:t>
+            </a:r>
+            <a:r>
+              <a:rPr lang="en-US" dirty="0" smtClean="0"/>
+              <a:t>automatically</a:t>
+            </a:r>
+            <a:r>
               <a:rPr lang="fr-FR" dirty="0" smtClean="0"/>
-              <a:t> option to </a:t>
+              <a:t> </a:t>
             </a:r>
             <a:r>
               <a:rPr lang="fr-FR" dirty="0" err="1" smtClean="0"/>
@@ -12382,13 +12660,29 @@
               <a:t> the </a:t>
             </a:r>
             <a:r>
-              <a:rPr lang="fr-FR" dirty="0" err="1" smtClean="0"/>
-              <a:t>poackage</a:t>
-            </a:r>
-            <a:r>
-              <a:rPr lang="fr-FR" dirty="0" smtClean="0"/>
-              <a:t> in bower.js</a:t>
-            </a:r>
+              <a:rPr lang="fr-FR" dirty="0"/>
+              <a:t>package in bower.js</a:t>
+            </a:r>
+          </a:p>
+          <a:p>
+            <a:pPr lvl="1"/>
+            <a:endParaRPr lang="en-US" dirty="0"/>
+          </a:p>
+          <a:p>
+            <a:r>
+              <a:rPr lang="en-US" dirty="0"/>
+              <a:t>Install all dependencies from </a:t>
+            </a:r>
+            <a:r>
+              <a:rPr lang="en-US" dirty="0" err="1" smtClean="0"/>
+              <a:t>bower.json</a:t>
+            </a:r>
+            <a:endParaRPr lang="en-US" dirty="0"/>
+          </a:p>
+          <a:p>
+            <a:endParaRPr lang="fr-FR" dirty="0" smtClean="0"/>
+          </a:p>
+          <a:p>
             <a:endParaRPr lang="fr-FR" dirty="0" smtClean="0"/>
           </a:p>
           <a:p>
@@ -12492,17 +12786,39 @@
           </p:cNvPicPr>
           <p:nvPr/>
         </p:nvPicPr>
-        <p:blipFill>
+        <p:blipFill rotWithShape="1">
           <a:blip r:embed="rId2"/>
-          <a:srcRect/>
-          <a:stretch>
-            <a:fillRect/>
-          </a:stretch>
+          <a:srcRect t="25291"/>
+          <a:stretch/>
         </p:blipFill>
         <p:spPr bwMode="auto">
           <a:xfrm>
-            <a:off x="1117547" y="1902784"/>
-            <a:ext cx="6572250" cy="2867025"/>
+            <a:off x="1150499" y="1853513"/>
+            <a:ext cx="6572250" cy="2141939"/>
+          </a:xfrm>
+          <a:prstGeom prst="rect">
+            <a:avLst/>
+          </a:prstGeom>
+          <a:noFill/>
+        </p:spPr>
+      </p:pic>
+      <p:pic>
+        <p:nvPicPr>
+          <p:cNvPr id="8" name="Picture 3" descr="C:\Users\YCE\Documents\My Screen Captures\PrtScr capture_6.png"/>
+          <p:cNvPicPr>
+            <a:picLocks noChangeAspect="1" noChangeArrowheads="1"/>
+          </p:cNvPicPr>
+          <p:nvPr/>
+        </p:nvPicPr>
+        <p:blipFill rotWithShape="1">
+          <a:blip r:embed="rId2"/>
+          <a:srcRect b="73646"/>
+          <a:stretch/>
+        </p:blipFill>
+        <p:spPr bwMode="auto">
+          <a:xfrm>
+            <a:off x="1150499" y="5578443"/>
+            <a:ext cx="6572250" cy="755585"/>
           </a:xfrm>
           <a:prstGeom prst="rect">
             <a:avLst/>
